--- a/Slides/The Decorator pattern.pptx
+++ b/Slides/The Decorator pattern.pptx
@@ -3428,15 +3428,7 @@
           <a:p>
             <a:r>
               <a:rPr lang="da-DK" dirty="0"/>
-              <a:t>Asger B. Breinholm, Mathias </a:t>
-            </a:r>
-            <a:r>
-              <a:rPr lang="da-DK" dirty="0" err="1"/>
-              <a:t>Brandgaard</a:t>
-            </a:r>
-            <a:r>
-              <a:rPr lang="da-DK" dirty="0"/>
-              <a:t> and Rob </a:t>
+              <a:t>Asger Breinholm, Mathias Brændgaard and Rob </a:t>
             </a:r>
             <a:r>
               <a:rPr lang="da-DK" dirty="0" err="1"/>

--- a/Slides/The Decorator pattern.pptx
+++ b/Slides/The Decorator pattern.pptx
@@ -112,6 +112,11 @@
       </a:defRPr>
     </a:lvl9pPr>
   </p:defaultTextStyle>
+  <p:extLst>
+    <p:ext uri="{EFAFB233-063F-42B5-8137-9DF3F51BA10A}">
+      <p15:sldGuideLst xmlns:p15="http://schemas.microsoft.com/office/powerpoint/2012/main"/>
+    </p:ext>
+  </p:extLst>
 </p:presentation>
 </file>
 
@@ -264,7 +269,7 @@
           <a:p>
             <a:fld id="{B14A3956-DF39-40C1-9994-18D9E8B714C2}" type="datetimeFigureOut">
               <a:rPr lang="LID4096" smtClean="0"/>
-              <a:t>11/02/2021</a:t>
+              <a:t>11/03/2021</a:t>
             </a:fld>
             <a:endParaRPr lang="LID4096"/>
           </a:p>
@@ -464,7 +469,7 @@
           <a:p>
             <a:fld id="{B14A3956-DF39-40C1-9994-18D9E8B714C2}" type="datetimeFigureOut">
               <a:rPr lang="LID4096" smtClean="0"/>
-              <a:t>11/02/2021</a:t>
+              <a:t>11/03/2021</a:t>
             </a:fld>
             <a:endParaRPr lang="LID4096"/>
           </a:p>
@@ -674,7 +679,7 @@
           <a:p>
             <a:fld id="{B14A3956-DF39-40C1-9994-18D9E8B714C2}" type="datetimeFigureOut">
               <a:rPr lang="LID4096" smtClean="0"/>
-              <a:t>11/02/2021</a:t>
+              <a:t>11/03/2021</a:t>
             </a:fld>
             <a:endParaRPr lang="LID4096"/>
           </a:p>
@@ -874,7 +879,7 @@
           <a:p>
             <a:fld id="{B14A3956-DF39-40C1-9994-18D9E8B714C2}" type="datetimeFigureOut">
               <a:rPr lang="LID4096" smtClean="0"/>
-              <a:t>11/02/2021</a:t>
+              <a:t>11/03/2021</a:t>
             </a:fld>
             <a:endParaRPr lang="LID4096"/>
           </a:p>
@@ -1150,7 +1155,7 @@
           <a:p>
             <a:fld id="{B14A3956-DF39-40C1-9994-18D9E8B714C2}" type="datetimeFigureOut">
               <a:rPr lang="LID4096" smtClean="0"/>
-              <a:t>11/02/2021</a:t>
+              <a:t>11/03/2021</a:t>
             </a:fld>
             <a:endParaRPr lang="LID4096"/>
           </a:p>
@@ -1418,7 +1423,7 @@
           <a:p>
             <a:fld id="{B14A3956-DF39-40C1-9994-18D9E8B714C2}" type="datetimeFigureOut">
               <a:rPr lang="LID4096" smtClean="0"/>
-              <a:t>11/02/2021</a:t>
+              <a:t>11/03/2021</a:t>
             </a:fld>
             <a:endParaRPr lang="LID4096"/>
           </a:p>
@@ -1833,7 +1838,7 @@
           <a:p>
             <a:fld id="{B14A3956-DF39-40C1-9994-18D9E8B714C2}" type="datetimeFigureOut">
               <a:rPr lang="LID4096" smtClean="0"/>
-              <a:t>11/02/2021</a:t>
+              <a:t>11/03/2021</a:t>
             </a:fld>
             <a:endParaRPr lang="LID4096"/>
           </a:p>
@@ -1975,7 +1980,7 @@
           <a:p>
             <a:fld id="{B14A3956-DF39-40C1-9994-18D9E8B714C2}" type="datetimeFigureOut">
               <a:rPr lang="LID4096" smtClean="0"/>
-              <a:t>11/02/2021</a:t>
+              <a:t>11/03/2021</a:t>
             </a:fld>
             <a:endParaRPr lang="LID4096"/>
           </a:p>
@@ -2088,7 +2093,7 @@
           <a:p>
             <a:fld id="{B14A3956-DF39-40C1-9994-18D9E8B714C2}" type="datetimeFigureOut">
               <a:rPr lang="LID4096" smtClean="0"/>
-              <a:t>11/02/2021</a:t>
+              <a:t>11/03/2021</a:t>
             </a:fld>
             <a:endParaRPr lang="LID4096"/>
           </a:p>
@@ -2401,7 +2406,7 @@
           <a:p>
             <a:fld id="{B14A3956-DF39-40C1-9994-18D9E8B714C2}" type="datetimeFigureOut">
               <a:rPr lang="LID4096" smtClean="0"/>
-              <a:t>11/02/2021</a:t>
+              <a:t>11/03/2021</a:t>
             </a:fld>
             <a:endParaRPr lang="LID4096"/>
           </a:p>
@@ -2690,7 +2695,7 @@
           <a:p>
             <a:fld id="{B14A3956-DF39-40C1-9994-18D9E8B714C2}" type="datetimeFigureOut">
               <a:rPr lang="LID4096" smtClean="0"/>
-              <a:t>11/02/2021</a:t>
+              <a:t>11/03/2021</a:t>
             </a:fld>
             <a:endParaRPr lang="LID4096"/>
           </a:p>
@@ -2933,7 +2938,7 @@
           <a:p>
             <a:fld id="{B14A3956-DF39-40C1-9994-18D9E8B714C2}" type="datetimeFigureOut">
               <a:rPr lang="LID4096" smtClean="0"/>
-              <a:t>11/02/2021</a:t>
+              <a:t>11/03/2021</a:t>
             </a:fld>
             <a:endParaRPr lang="LID4096"/>
           </a:p>
@@ -3524,54 +3529,552 @@
           <a:lstStyle/>
           <a:p>
             <a:r>
-              <a:rPr lang="da-DK" dirty="0"/>
+              <a:rPr lang="da-DK" b="1" dirty="0"/>
               <a:t>The problem</a:t>
             </a:r>
+            <a:endParaRPr lang="LID4096" b="1" dirty="0"/>
+          </a:p>
+        </p:txBody>
+      </p:sp>
+      <p:sp>
+        <p:nvSpPr>
+          <p:cNvPr id="3" name="Pladsholder til indhold 2">
+            <a:extLst>
+              <a:ext uri="{FF2B5EF4-FFF2-40B4-BE49-F238E27FC236}">
+                <a16:creationId xmlns:a16="http://schemas.microsoft.com/office/drawing/2014/main" id="{42A7276F-C126-4430-85A9-9BE50F9597B0}"/>
+              </a:ext>
+            </a:extLst>
+          </p:cNvPr>
+          <p:cNvSpPr>
+            <a:spLocks noGrp="1"/>
+          </p:cNvSpPr>
+          <p:nvPr>
+            <p:ph idx="1"/>
+          </p:nvPr>
+        </p:nvSpPr>
+        <p:spPr/>
+        <p:txBody>
+          <a:bodyPr/>
+          <a:lstStyle/>
+          <a:p>
             <a:endParaRPr lang="LID4096" dirty="0"/>
           </a:p>
         </p:txBody>
       </p:sp>
       <p:sp>
         <p:nvSpPr>
-          <p:cNvPr id="3" name="Pladsholder til indhold 2">
-            <a:extLst>
-              <a:ext uri="{FF2B5EF4-FFF2-40B4-BE49-F238E27FC236}">
-                <a16:creationId xmlns:a16="http://schemas.microsoft.com/office/drawing/2014/main" id="{42A7276F-C126-4430-85A9-9BE50F9597B0}"/>
-              </a:ext>
-            </a:extLst>
-          </p:cNvPr>
-          <p:cNvSpPr>
-            <a:spLocks noGrp="1"/>
-          </p:cNvSpPr>
-          <p:nvPr>
-            <p:ph idx="1"/>
-          </p:nvPr>
-        </p:nvSpPr>
-        <p:spPr/>
-        <p:txBody>
-          <a:bodyPr/>
-          <a:lstStyle/>
-          <a:p>
-            <a:r>
-              <a:rPr lang="da-DK" dirty="0"/>
-              <a:t>Too </a:t>
-            </a:r>
-            <a:r>
-              <a:rPr lang="da-DK" dirty="0" err="1"/>
-              <a:t>many</a:t>
-            </a:r>
-            <a:r>
-              <a:rPr lang="da-DK" dirty="0"/>
-              <a:t> new </a:t>
-            </a:r>
-            <a:r>
-              <a:rPr lang="da-DK" dirty="0" err="1"/>
-              <a:t>classes</a:t>
-            </a:r>
-            <a:endParaRPr lang="LID4096" dirty="0"/>
-          </a:p>
-        </p:txBody>
-      </p:sp>
+          <p:cNvPr id="4" name="Pladsholder til indhold 2">
+            <a:extLst>
+              <a:ext uri="{FF2B5EF4-FFF2-40B4-BE49-F238E27FC236}">
+                <a16:creationId xmlns:a16="http://schemas.microsoft.com/office/drawing/2014/main" id="{D31E12A0-2DA8-4D74-9A08-0CA8D71F9F08}"/>
+              </a:ext>
+            </a:extLst>
+          </p:cNvPr>
+          <p:cNvSpPr txBox="1">
+            <a:spLocks/>
+          </p:cNvSpPr>
+          <p:nvPr/>
+        </p:nvSpPr>
+        <p:spPr>
+          <a:xfrm>
+            <a:off x="5707515" y="2873253"/>
+            <a:ext cx="4885765" cy="660099"/>
+          </a:xfrm>
+          <a:prstGeom prst="rect">
+            <a:avLst/>
+          </a:prstGeom>
+        </p:spPr>
+        <p:txBody>
+          <a:bodyPr vert="horz" lIns="91440" tIns="45720" rIns="91440" bIns="45720" rtlCol="0">
+            <a:noAutofit/>
+          </a:bodyPr>
+          <a:lstStyle>
+            <a:lvl1pPr marL="228600" indent="-228600" algn="l" defTabSz="914400" rtl="0" eaLnBrk="1" latinLnBrk="0" hangingPunct="1">
+              <a:lnSpc>
+                <a:spcPct val="90000"/>
+              </a:lnSpc>
+              <a:spcBef>
+                <a:spcPts val="1000"/>
+              </a:spcBef>
+              <a:buFont typeface="Arial" panose="020B0604020202020204" pitchFamily="34" charset="0"/>
+              <a:buChar char="•"/>
+              <a:defRPr sz="2800" kern="1200">
+                <a:solidFill>
+                  <a:schemeClr val="tx1"/>
+                </a:solidFill>
+                <a:latin typeface="+mn-lt"/>
+                <a:ea typeface="+mn-ea"/>
+                <a:cs typeface="+mn-cs"/>
+              </a:defRPr>
+            </a:lvl1pPr>
+            <a:lvl2pPr marL="685800" indent="-228600" algn="l" defTabSz="914400" rtl="0" eaLnBrk="1" latinLnBrk="0" hangingPunct="1">
+              <a:lnSpc>
+                <a:spcPct val="90000"/>
+              </a:lnSpc>
+              <a:spcBef>
+                <a:spcPts val="500"/>
+              </a:spcBef>
+              <a:buFont typeface="Arial" panose="020B0604020202020204" pitchFamily="34" charset="0"/>
+              <a:buChar char="•"/>
+              <a:defRPr sz="2400" kern="1200">
+                <a:solidFill>
+                  <a:schemeClr val="tx1"/>
+                </a:solidFill>
+                <a:latin typeface="+mn-lt"/>
+                <a:ea typeface="+mn-ea"/>
+                <a:cs typeface="+mn-cs"/>
+              </a:defRPr>
+            </a:lvl2pPr>
+            <a:lvl3pPr marL="1143000" indent="-228600" algn="l" defTabSz="914400" rtl="0" eaLnBrk="1" latinLnBrk="0" hangingPunct="1">
+              <a:lnSpc>
+                <a:spcPct val="90000"/>
+              </a:lnSpc>
+              <a:spcBef>
+                <a:spcPts val="500"/>
+              </a:spcBef>
+              <a:buFont typeface="Arial" panose="020B0604020202020204" pitchFamily="34" charset="0"/>
+              <a:buChar char="•"/>
+              <a:defRPr sz="2000" kern="1200">
+                <a:solidFill>
+                  <a:schemeClr val="tx1"/>
+                </a:solidFill>
+                <a:latin typeface="+mn-lt"/>
+                <a:ea typeface="+mn-ea"/>
+                <a:cs typeface="+mn-cs"/>
+              </a:defRPr>
+            </a:lvl3pPr>
+            <a:lvl4pPr marL="1600200" indent="-228600" algn="l" defTabSz="914400" rtl="0" eaLnBrk="1" latinLnBrk="0" hangingPunct="1">
+              <a:lnSpc>
+                <a:spcPct val="90000"/>
+              </a:lnSpc>
+              <a:spcBef>
+                <a:spcPts val="500"/>
+              </a:spcBef>
+              <a:buFont typeface="Arial" panose="020B0604020202020204" pitchFamily="34" charset="0"/>
+              <a:buChar char="•"/>
+              <a:defRPr sz="1800" kern="1200">
+                <a:solidFill>
+                  <a:schemeClr val="tx1"/>
+                </a:solidFill>
+                <a:latin typeface="+mn-lt"/>
+                <a:ea typeface="+mn-ea"/>
+                <a:cs typeface="+mn-cs"/>
+              </a:defRPr>
+            </a:lvl4pPr>
+            <a:lvl5pPr marL="2057400" indent="-228600" algn="l" defTabSz="914400" rtl="0" eaLnBrk="1" latinLnBrk="0" hangingPunct="1">
+              <a:lnSpc>
+                <a:spcPct val="90000"/>
+              </a:lnSpc>
+              <a:spcBef>
+                <a:spcPts val="500"/>
+              </a:spcBef>
+              <a:buFont typeface="Arial" panose="020B0604020202020204" pitchFamily="34" charset="0"/>
+              <a:buChar char="•"/>
+              <a:defRPr sz="1800" kern="1200">
+                <a:solidFill>
+                  <a:schemeClr val="tx1"/>
+                </a:solidFill>
+                <a:latin typeface="+mn-lt"/>
+                <a:ea typeface="+mn-ea"/>
+                <a:cs typeface="+mn-cs"/>
+              </a:defRPr>
+            </a:lvl5pPr>
+            <a:lvl6pPr marL="2514600" indent="-228600" algn="l" defTabSz="914400" rtl="0" eaLnBrk="1" latinLnBrk="0" hangingPunct="1">
+              <a:lnSpc>
+                <a:spcPct val="90000"/>
+              </a:lnSpc>
+              <a:spcBef>
+                <a:spcPts val="500"/>
+              </a:spcBef>
+              <a:buFont typeface="Arial" panose="020B0604020202020204" pitchFamily="34" charset="0"/>
+              <a:buChar char="•"/>
+              <a:defRPr sz="1800" kern="1200">
+                <a:solidFill>
+                  <a:schemeClr val="tx1"/>
+                </a:solidFill>
+                <a:latin typeface="+mn-lt"/>
+                <a:ea typeface="+mn-ea"/>
+                <a:cs typeface="+mn-cs"/>
+              </a:defRPr>
+            </a:lvl6pPr>
+            <a:lvl7pPr marL="2971800" indent="-228600" algn="l" defTabSz="914400" rtl="0" eaLnBrk="1" latinLnBrk="0" hangingPunct="1">
+              <a:lnSpc>
+                <a:spcPct val="90000"/>
+              </a:lnSpc>
+              <a:spcBef>
+                <a:spcPts val="500"/>
+              </a:spcBef>
+              <a:buFont typeface="Arial" panose="020B0604020202020204" pitchFamily="34" charset="0"/>
+              <a:buChar char="•"/>
+              <a:defRPr sz="1800" kern="1200">
+                <a:solidFill>
+                  <a:schemeClr val="tx1"/>
+                </a:solidFill>
+                <a:latin typeface="+mn-lt"/>
+                <a:ea typeface="+mn-ea"/>
+                <a:cs typeface="+mn-cs"/>
+              </a:defRPr>
+            </a:lvl7pPr>
+            <a:lvl8pPr marL="3429000" indent="-228600" algn="l" defTabSz="914400" rtl="0" eaLnBrk="1" latinLnBrk="0" hangingPunct="1">
+              <a:lnSpc>
+                <a:spcPct val="90000"/>
+              </a:lnSpc>
+              <a:spcBef>
+                <a:spcPts val="500"/>
+              </a:spcBef>
+              <a:buFont typeface="Arial" panose="020B0604020202020204" pitchFamily="34" charset="0"/>
+              <a:buChar char="•"/>
+              <a:defRPr sz="1800" kern="1200">
+                <a:solidFill>
+                  <a:schemeClr val="tx1"/>
+                </a:solidFill>
+                <a:latin typeface="+mn-lt"/>
+                <a:ea typeface="+mn-ea"/>
+                <a:cs typeface="+mn-cs"/>
+              </a:defRPr>
+            </a:lvl8pPr>
+            <a:lvl9pPr marL="3886200" indent="-228600" algn="l" defTabSz="914400" rtl="0" eaLnBrk="1" latinLnBrk="0" hangingPunct="1">
+              <a:lnSpc>
+                <a:spcPct val="90000"/>
+              </a:lnSpc>
+              <a:spcBef>
+                <a:spcPts val="500"/>
+              </a:spcBef>
+              <a:buFont typeface="Arial" panose="020B0604020202020204" pitchFamily="34" charset="0"/>
+              <a:buChar char="•"/>
+              <a:defRPr sz="1800" kern="1200">
+                <a:solidFill>
+                  <a:schemeClr val="tx1"/>
+                </a:solidFill>
+                <a:latin typeface="+mn-lt"/>
+                <a:ea typeface="+mn-ea"/>
+                <a:cs typeface="+mn-cs"/>
+              </a:defRPr>
+            </a:lvl9pPr>
+          </a:lstStyle>
+          <a:p>
+            <a:pPr marL="0" indent="0">
+              <a:buNone/>
+            </a:pPr>
+            <a:r>
+              <a:rPr lang="da-DK" sz="4400" dirty="0" err="1"/>
+              <a:t>Extention</a:t>
+            </a:r>
+            <a:r>
+              <a:rPr lang="da-DK" sz="4400" dirty="0"/>
+              <a:t> at </a:t>
+            </a:r>
+            <a:r>
+              <a:rPr lang="da-DK" sz="4400" dirty="0" err="1"/>
+              <a:t>runtime</a:t>
+            </a:r>
+            <a:r>
+              <a:rPr lang="da-DK" sz="4400" dirty="0"/>
+              <a:t> </a:t>
+            </a:r>
+            <a:endParaRPr lang="LID4096" sz="4400" dirty="0"/>
+          </a:p>
+        </p:txBody>
+      </p:sp>
+      <p:sp>
+        <p:nvSpPr>
+          <p:cNvPr id="9" name="Pladsholder til indhold 2">
+            <a:extLst>
+              <a:ext uri="{FF2B5EF4-FFF2-40B4-BE49-F238E27FC236}">
+                <a16:creationId xmlns:a16="http://schemas.microsoft.com/office/drawing/2014/main" id="{83CED092-1D46-41CC-92FD-648DC5C8EC82}"/>
+              </a:ext>
+            </a:extLst>
+          </p:cNvPr>
+          <p:cNvSpPr txBox="1">
+            <a:spLocks/>
+          </p:cNvSpPr>
+          <p:nvPr/>
+        </p:nvSpPr>
+        <p:spPr>
+          <a:xfrm>
+            <a:off x="5707515" y="1995300"/>
+            <a:ext cx="4701193" cy="660099"/>
+          </a:xfrm>
+          <a:prstGeom prst="rect">
+            <a:avLst/>
+          </a:prstGeom>
+        </p:spPr>
+        <p:txBody>
+          <a:bodyPr vert="horz" lIns="91440" tIns="45720" rIns="91440" bIns="45720" rtlCol="0">
+            <a:normAutofit lnSpcReduction="10000"/>
+          </a:bodyPr>
+          <a:lstStyle>
+            <a:lvl1pPr marL="228600" indent="-228600" algn="l" defTabSz="914400" rtl="0" eaLnBrk="1" latinLnBrk="0" hangingPunct="1">
+              <a:lnSpc>
+                <a:spcPct val="90000"/>
+              </a:lnSpc>
+              <a:spcBef>
+                <a:spcPts val="1000"/>
+              </a:spcBef>
+              <a:buFont typeface="Arial" panose="020B0604020202020204" pitchFamily="34" charset="0"/>
+              <a:buChar char="•"/>
+              <a:defRPr sz="2800" kern="1200">
+                <a:solidFill>
+                  <a:schemeClr val="tx1"/>
+                </a:solidFill>
+                <a:latin typeface="+mn-lt"/>
+                <a:ea typeface="+mn-ea"/>
+                <a:cs typeface="+mn-cs"/>
+              </a:defRPr>
+            </a:lvl1pPr>
+            <a:lvl2pPr marL="685800" indent="-228600" algn="l" defTabSz="914400" rtl="0" eaLnBrk="1" latinLnBrk="0" hangingPunct="1">
+              <a:lnSpc>
+                <a:spcPct val="90000"/>
+              </a:lnSpc>
+              <a:spcBef>
+                <a:spcPts val="500"/>
+              </a:spcBef>
+              <a:buFont typeface="Arial" panose="020B0604020202020204" pitchFamily="34" charset="0"/>
+              <a:buChar char="•"/>
+              <a:defRPr sz="2400" kern="1200">
+                <a:solidFill>
+                  <a:schemeClr val="tx1"/>
+                </a:solidFill>
+                <a:latin typeface="+mn-lt"/>
+                <a:ea typeface="+mn-ea"/>
+                <a:cs typeface="+mn-cs"/>
+              </a:defRPr>
+            </a:lvl2pPr>
+            <a:lvl3pPr marL="1143000" indent="-228600" algn="l" defTabSz="914400" rtl="0" eaLnBrk="1" latinLnBrk="0" hangingPunct="1">
+              <a:lnSpc>
+                <a:spcPct val="90000"/>
+              </a:lnSpc>
+              <a:spcBef>
+                <a:spcPts val="500"/>
+              </a:spcBef>
+              <a:buFont typeface="Arial" panose="020B0604020202020204" pitchFamily="34" charset="0"/>
+              <a:buChar char="•"/>
+              <a:defRPr sz="2000" kern="1200">
+                <a:solidFill>
+                  <a:schemeClr val="tx1"/>
+                </a:solidFill>
+                <a:latin typeface="+mn-lt"/>
+                <a:ea typeface="+mn-ea"/>
+                <a:cs typeface="+mn-cs"/>
+              </a:defRPr>
+            </a:lvl3pPr>
+            <a:lvl4pPr marL="1600200" indent="-228600" algn="l" defTabSz="914400" rtl="0" eaLnBrk="1" latinLnBrk="0" hangingPunct="1">
+              <a:lnSpc>
+                <a:spcPct val="90000"/>
+              </a:lnSpc>
+              <a:spcBef>
+                <a:spcPts val="500"/>
+              </a:spcBef>
+              <a:buFont typeface="Arial" panose="020B0604020202020204" pitchFamily="34" charset="0"/>
+              <a:buChar char="•"/>
+              <a:defRPr sz="1800" kern="1200">
+                <a:solidFill>
+                  <a:schemeClr val="tx1"/>
+                </a:solidFill>
+                <a:latin typeface="+mn-lt"/>
+                <a:ea typeface="+mn-ea"/>
+                <a:cs typeface="+mn-cs"/>
+              </a:defRPr>
+            </a:lvl4pPr>
+            <a:lvl5pPr marL="2057400" indent="-228600" algn="l" defTabSz="914400" rtl="0" eaLnBrk="1" latinLnBrk="0" hangingPunct="1">
+              <a:lnSpc>
+                <a:spcPct val="90000"/>
+              </a:lnSpc>
+              <a:spcBef>
+                <a:spcPts val="500"/>
+              </a:spcBef>
+              <a:buFont typeface="Arial" panose="020B0604020202020204" pitchFamily="34" charset="0"/>
+              <a:buChar char="•"/>
+              <a:defRPr sz="1800" kern="1200">
+                <a:solidFill>
+                  <a:schemeClr val="tx1"/>
+                </a:solidFill>
+                <a:latin typeface="+mn-lt"/>
+                <a:ea typeface="+mn-ea"/>
+                <a:cs typeface="+mn-cs"/>
+              </a:defRPr>
+            </a:lvl5pPr>
+            <a:lvl6pPr marL="2514600" indent="-228600" algn="l" defTabSz="914400" rtl="0" eaLnBrk="1" latinLnBrk="0" hangingPunct="1">
+              <a:lnSpc>
+                <a:spcPct val="90000"/>
+              </a:lnSpc>
+              <a:spcBef>
+                <a:spcPts val="500"/>
+              </a:spcBef>
+              <a:buFont typeface="Arial" panose="020B0604020202020204" pitchFamily="34" charset="0"/>
+              <a:buChar char="•"/>
+              <a:defRPr sz="1800" kern="1200">
+                <a:solidFill>
+                  <a:schemeClr val="tx1"/>
+                </a:solidFill>
+                <a:latin typeface="+mn-lt"/>
+                <a:ea typeface="+mn-ea"/>
+                <a:cs typeface="+mn-cs"/>
+              </a:defRPr>
+            </a:lvl6pPr>
+            <a:lvl7pPr marL="2971800" indent="-228600" algn="l" defTabSz="914400" rtl="0" eaLnBrk="1" latinLnBrk="0" hangingPunct="1">
+              <a:lnSpc>
+                <a:spcPct val="90000"/>
+              </a:lnSpc>
+              <a:spcBef>
+                <a:spcPts val="500"/>
+              </a:spcBef>
+              <a:buFont typeface="Arial" panose="020B0604020202020204" pitchFamily="34" charset="0"/>
+              <a:buChar char="•"/>
+              <a:defRPr sz="1800" kern="1200">
+                <a:solidFill>
+                  <a:schemeClr val="tx1"/>
+                </a:solidFill>
+                <a:latin typeface="+mn-lt"/>
+                <a:ea typeface="+mn-ea"/>
+                <a:cs typeface="+mn-cs"/>
+              </a:defRPr>
+            </a:lvl7pPr>
+            <a:lvl8pPr marL="3429000" indent="-228600" algn="l" defTabSz="914400" rtl="0" eaLnBrk="1" latinLnBrk="0" hangingPunct="1">
+              <a:lnSpc>
+                <a:spcPct val="90000"/>
+              </a:lnSpc>
+              <a:spcBef>
+                <a:spcPts val="500"/>
+              </a:spcBef>
+              <a:buFont typeface="Arial" panose="020B0604020202020204" pitchFamily="34" charset="0"/>
+              <a:buChar char="•"/>
+              <a:defRPr sz="1800" kern="1200">
+                <a:solidFill>
+                  <a:schemeClr val="tx1"/>
+                </a:solidFill>
+                <a:latin typeface="+mn-lt"/>
+                <a:ea typeface="+mn-ea"/>
+                <a:cs typeface="+mn-cs"/>
+              </a:defRPr>
+            </a:lvl8pPr>
+            <a:lvl9pPr marL="3886200" indent="-228600" algn="l" defTabSz="914400" rtl="0" eaLnBrk="1" latinLnBrk="0" hangingPunct="1">
+              <a:lnSpc>
+                <a:spcPct val="90000"/>
+              </a:lnSpc>
+              <a:spcBef>
+                <a:spcPts val="500"/>
+              </a:spcBef>
+              <a:buFont typeface="Arial" panose="020B0604020202020204" pitchFamily="34" charset="0"/>
+              <a:buChar char="•"/>
+              <a:defRPr sz="1800" kern="1200">
+                <a:solidFill>
+                  <a:schemeClr val="tx1"/>
+                </a:solidFill>
+                <a:latin typeface="+mn-lt"/>
+                <a:ea typeface="+mn-ea"/>
+                <a:cs typeface="+mn-cs"/>
+              </a:defRPr>
+            </a:lvl9pPr>
+          </a:lstStyle>
+          <a:p>
+            <a:pPr marL="0" indent="0">
+              <a:buNone/>
+            </a:pPr>
+            <a:r>
+              <a:rPr lang="da-DK" sz="4400" dirty="0"/>
+              <a:t>Subclass </a:t>
+            </a:r>
+            <a:r>
+              <a:rPr lang="da-DK" sz="4400" dirty="0" err="1"/>
+              <a:t>everything</a:t>
+            </a:r>
+            <a:endParaRPr lang="LID4096" sz="4400" dirty="0"/>
+          </a:p>
+        </p:txBody>
+      </p:sp>
+      <p:pic>
+        <p:nvPicPr>
+          <p:cNvPr id="1034" name="Picture 10">
+            <a:extLst>
+              <a:ext uri="{FF2B5EF4-FFF2-40B4-BE49-F238E27FC236}">
+                <a16:creationId xmlns:a16="http://schemas.microsoft.com/office/drawing/2014/main" id="{8CB05713-72FA-46C4-B8C4-35798857063D}"/>
+              </a:ext>
+            </a:extLst>
+          </p:cNvPr>
+          <p:cNvPicPr>
+            <a:picLocks noChangeAspect="1" noChangeArrowheads="1"/>
+          </p:cNvPicPr>
+          <p:nvPr/>
+        </p:nvPicPr>
+        <p:blipFill rotWithShape="1">
+          <a:blip r:embed="rId2">
+            <a:extLst>
+              <a:ext uri="{28A0092B-C50C-407E-A947-70E740481C1C}">
+                <a14:useLocalDpi xmlns:a14="http://schemas.microsoft.com/office/drawing/2010/main" val="0"/>
+              </a:ext>
+            </a:extLst>
+          </a:blip>
+          <a:srcRect l="58414" t="29808" r="1681" b="30048"/>
+          <a:stretch/>
+        </p:blipFill>
+        <p:spPr bwMode="auto">
+          <a:xfrm>
+            <a:off x="10593280" y="1825625"/>
+            <a:ext cx="721659" cy="726005"/>
+          </a:xfrm>
+          <a:prstGeom prst="rect">
+            <a:avLst/>
+          </a:prstGeom>
+          <a:noFill/>
+          <a:extLst>
+            <a:ext uri="{909E8E84-426E-40DD-AFC4-6F175D3DCCD1}">
+              <a14:hiddenFill xmlns:a14="http://schemas.microsoft.com/office/drawing/2010/main">
+                <a:solidFill>
+                  <a:srgbClr val="FFFFFF"/>
+                </a:solidFill>
+              </a14:hiddenFill>
+            </a:ext>
+          </a:extLst>
+        </p:spPr>
+      </p:pic>
+      <p:pic>
+        <p:nvPicPr>
+          <p:cNvPr id="1028" name="Picture 4">
+            <a:extLst>
+              <a:ext uri="{FF2B5EF4-FFF2-40B4-BE49-F238E27FC236}">
+                <a16:creationId xmlns:a16="http://schemas.microsoft.com/office/drawing/2014/main" id="{D304664F-796C-4373-A264-0AF7D7E37E64}"/>
+              </a:ext>
+            </a:extLst>
+          </p:cNvPr>
+          <p:cNvPicPr>
+            <a:picLocks noChangeAspect="1" noChangeArrowheads="1"/>
+          </p:cNvPicPr>
+          <p:nvPr/>
+        </p:nvPicPr>
+        <p:blipFill>
+          <a:blip r:embed="rId3">
+            <a:extLst>
+              <a:ext uri="{28A0092B-C50C-407E-A947-70E740481C1C}">
+                <a14:useLocalDpi xmlns:a14="http://schemas.microsoft.com/office/drawing/2010/main" val="0"/>
+              </a:ext>
+            </a:extLst>
+          </a:blip>
+          <a:srcRect/>
+          <a:stretch>
+            <a:fillRect/>
+          </a:stretch>
+        </p:blipFill>
+        <p:spPr bwMode="auto">
+          <a:xfrm>
+            <a:off x="10593280" y="2726979"/>
+            <a:ext cx="760520" cy="760520"/>
+          </a:xfrm>
+          <a:prstGeom prst="rect">
+            <a:avLst/>
+          </a:prstGeom>
+          <a:noFill/>
+          <a:extLst>
+            <a:ext uri="{909E8E84-426E-40DD-AFC4-6F175D3DCCD1}">
+              <a14:hiddenFill xmlns:a14="http://schemas.microsoft.com/office/drawing/2010/main">
+                <a:solidFill>
+                  <a:srgbClr val="FFFFFF"/>
+                </a:solidFill>
+              </a14:hiddenFill>
+            </a:ext>
+          </a:extLst>
+        </p:spPr>
+      </p:pic>
     </p:spTree>
     <p:extLst>
       <p:ext uri="{BB962C8B-B14F-4D97-AF65-F5344CB8AC3E}">
@@ -3624,14 +4127,14 @@
           <a:lstStyle/>
           <a:p>
             <a:r>
-              <a:rPr lang="da-DK" dirty="0"/>
+              <a:rPr lang="da-DK" b="1" dirty="0"/>
               <a:t>The solution – with </a:t>
             </a:r>
             <a:r>
-              <a:rPr lang="da-DK" dirty="0" err="1"/>
+              <a:rPr lang="da-DK" b="1" dirty="0" err="1"/>
               <a:t>Decorator</a:t>
             </a:r>
-            <a:endParaRPr lang="LID4096" dirty="0"/>
+            <a:endParaRPr lang="LID4096" b="1" dirty="0"/>
           </a:p>
         </p:txBody>
       </p:sp>
@@ -3660,6 +4163,40 @@
           </a:p>
         </p:txBody>
       </p:sp>
+      <p:pic>
+        <p:nvPicPr>
+          <p:cNvPr id="4" name="Billede 3">
+            <a:extLst>
+              <a:ext uri="{FF2B5EF4-FFF2-40B4-BE49-F238E27FC236}">
+                <a16:creationId xmlns:a16="http://schemas.microsoft.com/office/drawing/2014/main" id="{49BF3B5B-FAD6-43F8-9989-9C8A907F3D5E}"/>
+              </a:ext>
+            </a:extLst>
+          </p:cNvPr>
+          <p:cNvPicPr/>
+          <p:nvPr/>
+        </p:nvPicPr>
+        <p:blipFill>
+          <a:blip r:embed="rId2">
+            <a:extLst>
+              <a:ext uri="{28A0092B-C50C-407E-A947-70E740481C1C}">
+                <a14:useLocalDpi xmlns:a14="http://schemas.microsoft.com/office/drawing/2010/main" val="0"/>
+              </a:ext>
+            </a:extLst>
+          </a:blip>
+          <a:stretch>
+            <a:fillRect/>
+          </a:stretch>
+        </p:blipFill>
+        <p:spPr>
+          <a:xfrm>
+            <a:off x="7239000" y="1787525"/>
+            <a:ext cx="3810000" cy="3022600"/>
+          </a:xfrm>
+          <a:prstGeom prst="rect">
+            <a:avLst/>
+          </a:prstGeom>
+        </p:spPr>
+      </p:pic>
     </p:spTree>
     <p:extLst>
       <p:ext uri="{BB962C8B-B14F-4D97-AF65-F5344CB8AC3E}">
@@ -3712,14 +4249,14 @@
           <a:lstStyle/>
           <a:p>
             <a:r>
-              <a:rPr lang="da-DK" dirty="0" err="1"/>
+              <a:rPr lang="en-GB" b="1" dirty="0"/>
               <a:t>Pros</a:t>
             </a:r>
             <a:r>
-              <a:rPr lang="da-DK" dirty="0"/>
+              <a:rPr lang="da-DK" b="1" dirty="0"/>
               <a:t> &amp; cons</a:t>
             </a:r>
-            <a:endParaRPr lang="LID4096" dirty="0"/>
+            <a:endParaRPr lang="LID4096" b="1" dirty="0"/>
           </a:p>
         </p:txBody>
       </p:sp>
@@ -3741,8 +4278,8 @@
         </p:nvSpPr>
         <p:spPr>
           <a:xfrm>
-            <a:off x="3119717" y="1690688"/>
-            <a:ext cx="2976283" cy="4351338"/>
+            <a:off x="2187388" y="1690688"/>
+            <a:ext cx="3908612" cy="4351338"/>
           </a:xfrm>
         </p:spPr>
         <p:txBody>
@@ -3753,7 +4290,7 @@
               <a:buNone/>
             </a:pPr>
             <a:r>
-              <a:rPr lang="da-DK" dirty="0" err="1">
+              <a:rPr lang="en-GB" dirty="0">
                 <a:solidFill>
                   <a:schemeClr val="accent6"/>
                 </a:solidFill>
@@ -3766,7 +4303,16 @@
             </a:r>
           </a:p>
           <a:p>
-            <a:endParaRPr lang="LID4096" dirty="0"/>
+            <a:r>
+              <a:rPr lang="en-GB" dirty="0"/>
+              <a:t>Less subclasses</a:t>
+            </a:r>
+          </a:p>
+          <a:p>
+            <a:r>
+              <a:rPr lang="en-GB" dirty="0"/>
+              <a:t>Less memory usage</a:t>
+            </a:r>
           </a:p>
         </p:txBody>
       </p:sp>
@@ -3787,7 +4333,7 @@
         <p:spPr>
           <a:xfrm>
             <a:off x="6096000" y="1690688"/>
-            <a:ext cx="2976283" cy="4351338"/>
+            <a:ext cx="4195482" cy="4351338"/>
           </a:xfrm>
           <a:prstGeom prst="rect">
             <a:avLst/>
@@ -3967,7 +4513,7 @@
               <a:buNone/>
             </a:pPr>
             <a:r>
-              <a:rPr lang="da-DK" dirty="0">
+              <a:rPr lang="en-GB" dirty="0">
                 <a:solidFill>
                   <a:srgbClr val="FF0000"/>
                 </a:solidFill>
@@ -3975,12 +4521,21 @@
               <a:t>Cons</a:t>
             </a:r>
             <a:r>
-              <a:rPr lang="da-DK" dirty="0"/>
+              <a:rPr lang="en-GB" dirty="0"/>
               <a:t>:</a:t>
             </a:r>
           </a:p>
           <a:p>
-            <a:endParaRPr lang="LID4096" dirty="0"/>
+            <a:r>
+              <a:rPr lang="en-GB" dirty="0"/>
+              <a:t>More complex undo</a:t>
+            </a:r>
+          </a:p>
+          <a:p>
+            <a:r>
+              <a:rPr lang="en-GB" dirty="0"/>
+              <a:t>More unnecessary code</a:t>
+            </a:r>
           </a:p>
         </p:txBody>
       </p:sp>
@@ -4036,38 +4591,51 @@
           <a:lstStyle/>
           <a:p>
             <a:r>
-              <a:rPr lang="da-DK" dirty="0"/>
+              <a:rPr lang="da-DK" b="1" dirty="0"/>
               <a:t>Class diagram</a:t>
             </a:r>
-            <a:endParaRPr lang="LID4096" dirty="0"/>
-          </a:p>
-        </p:txBody>
-      </p:sp>
-      <p:sp>
-        <p:nvSpPr>
-          <p:cNvPr id="3" name="Pladsholder til indhold 2">
-            <a:extLst>
-              <a:ext uri="{FF2B5EF4-FFF2-40B4-BE49-F238E27FC236}">
-                <a16:creationId xmlns:a16="http://schemas.microsoft.com/office/drawing/2014/main" id="{83453999-F0E7-41CC-93D8-8B3BCCE97E6C}"/>
-              </a:ext>
-            </a:extLst>
-          </p:cNvPr>
-          <p:cNvSpPr>
-            <a:spLocks noGrp="1"/>
-          </p:cNvSpPr>
+            <a:endParaRPr lang="LID4096" b="1" dirty="0"/>
+          </a:p>
+        </p:txBody>
+      </p:sp>
+      <p:pic>
+        <p:nvPicPr>
+          <p:cNvPr id="4" name="Pladsholder til indhold 3">
+            <a:extLst>
+              <a:ext uri="{FF2B5EF4-FFF2-40B4-BE49-F238E27FC236}">
+                <a16:creationId xmlns:a16="http://schemas.microsoft.com/office/drawing/2014/main" id="{13110B71-00A0-49FD-A762-AA652FC1045B}"/>
+              </a:ext>
+            </a:extLst>
+          </p:cNvPr>
+          <p:cNvPicPr>
+            <a:picLocks noGrp="1"/>
+          </p:cNvPicPr>
           <p:nvPr>
             <p:ph idx="1"/>
           </p:nvPr>
-        </p:nvSpPr>
-        <p:spPr/>
-        <p:txBody>
-          <a:bodyPr/>
-          <a:lstStyle/>
-          <a:p>
-            <a:endParaRPr lang="LID4096"/>
-          </a:p>
-        </p:txBody>
-      </p:sp>
+        </p:nvPicPr>
+        <p:blipFill>
+          <a:blip r:embed="rId2">
+            <a:extLst>
+              <a:ext uri="{28A0092B-C50C-407E-A947-70E740481C1C}">
+                <a14:useLocalDpi xmlns:a14="http://schemas.microsoft.com/office/drawing/2010/main" val="0"/>
+              </a:ext>
+            </a:extLst>
+          </a:blip>
+          <a:stretch>
+            <a:fillRect/>
+          </a:stretch>
+        </p:blipFill>
+        <p:spPr>
+          <a:xfrm>
+            <a:off x="1800225" y="2101056"/>
+            <a:ext cx="8591550" cy="3419475"/>
+          </a:xfrm>
+          <a:prstGeom prst="rect">
+            <a:avLst/>
+          </a:prstGeom>
+        </p:spPr>
+      </p:pic>
     </p:spTree>
     <p:extLst>
       <p:ext uri="{BB962C8B-B14F-4D97-AF65-F5344CB8AC3E}">
@@ -4120,42 +4688,55 @@
           <a:lstStyle/>
           <a:p>
             <a:r>
-              <a:rPr lang="da-DK" dirty="0" err="1"/>
+              <a:rPr lang="da-DK" b="1" dirty="0" err="1"/>
               <a:t>Sequence</a:t>
             </a:r>
             <a:r>
-              <a:rPr lang="da-DK" dirty="0"/>
+              <a:rPr lang="da-DK" b="1" dirty="0"/>
               <a:t> diagram</a:t>
             </a:r>
-            <a:endParaRPr lang="LID4096" dirty="0"/>
-          </a:p>
-        </p:txBody>
-      </p:sp>
-      <p:sp>
-        <p:nvSpPr>
-          <p:cNvPr id="3" name="Pladsholder til indhold 2">
-            <a:extLst>
-              <a:ext uri="{FF2B5EF4-FFF2-40B4-BE49-F238E27FC236}">
-                <a16:creationId xmlns:a16="http://schemas.microsoft.com/office/drawing/2014/main" id="{54BA37DB-95AB-4218-99BD-CBF0EF0D6243}"/>
-              </a:ext>
-            </a:extLst>
-          </p:cNvPr>
-          <p:cNvSpPr>
-            <a:spLocks noGrp="1"/>
-          </p:cNvSpPr>
+            <a:endParaRPr lang="LID4096" b="1" dirty="0"/>
+          </a:p>
+        </p:txBody>
+      </p:sp>
+      <p:pic>
+        <p:nvPicPr>
+          <p:cNvPr id="4" name="Pladsholder til indhold 3">
+            <a:extLst>
+              <a:ext uri="{FF2B5EF4-FFF2-40B4-BE49-F238E27FC236}">
+                <a16:creationId xmlns:a16="http://schemas.microsoft.com/office/drawing/2014/main" id="{E9943254-642B-422E-A225-B3B0DAB4029F}"/>
+              </a:ext>
+            </a:extLst>
+          </p:cNvPr>
+          <p:cNvPicPr>
+            <a:picLocks noGrp="1"/>
+          </p:cNvPicPr>
           <p:nvPr>
             <p:ph idx="1"/>
           </p:nvPr>
-        </p:nvSpPr>
-        <p:spPr/>
-        <p:txBody>
-          <a:bodyPr/>
-          <a:lstStyle/>
-          <a:p>
-            <a:endParaRPr lang="LID4096"/>
-          </a:p>
-        </p:txBody>
-      </p:sp>
+        </p:nvPicPr>
+        <p:blipFill>
+          <a:blip r:embed="rId2">
+            <a:extLst>
+              <a:ext uri="{28A0092B-C50C-407E-A947-70E740481C1C}">
+                <a14:useLocalDpi xmlns:a14="http://schemas.microsoft.com/office/drawing/2010/main" val="0"/>
+              </a:ext>
+            </a:extLst>
+          </a:blip>
+          <a:stretch>
+            <a:fillRect/>
+          </a:stretch>
+        </p:blipFill>
+        <p:spPr>
+          <a:xfrm>
+            <a:off x="1969412" y="2166640"/>
+            <a:ext cx="8253175" cy="3193057"/>
+          </a:xfrm>
+          <a:prstGeom prst="rect">
+            <a:avLst/>
+          </a:prstGeom>
+        </p:spPr>
+      </p:pic>
     </p:spTree>
     <p:extLst>
       <p:ext uri="{BB962C8B-B14F-4D97-AF65-F5344CB8AC3E}">
@@ -4208,16 +4789,334 @@
           <a:lstStyle/>
           <a:p>
             <a:r>
-              <a:rPr lang="da-DK" dirty="0" err="1"/>
+              <a:rPr lang="da-DK" b="1" dirty="0" err="1"/>
               <a:t>Our</a:t>
             </a:r>
             <a:r>
+              <a:rPr lang="da-DK" b="1" dirty="0"/>
+              <a:t> </a:t>
+            </a:r>
+            <a:r>
+              <a:rPr lang="da-DK" b="1" dirty="0" err="1"/>
+              <a:t>implementation</a:t>
+            </a:r>
+            <a:endParaRPr lang="LID4096" b="1" dirty="0"/>
+          </a:p>
+        </p:txBody>
+      </p:sp>
+      <p:sp>
+        <p:nvSpPr>
+          <p:cNvPr id="4" name="Rectangle 2">
+            <a:extLst>
+              <a:ext uri="{FF2B5EF4-FFF2-40B4-BE49-F238E27FC236}">
+                <a16:creationId xmlns:a16="http://schemas.microsoft.com/office/drawing/2014/main" id="{4AC64B31-8B8C-404F-8D7B-B9EFCCA74192}"/>
+              </a:ext>
+            </a:extLst>
+          </p:cNvPr>
+          <p:cNvSpPr>
+            <a:spLocks noChangeArrowheads="1"/>
+          </p:cNvSpPr>
+          <p:nvPr/>
+        </p:nvSpPr>
+        <p:spPr bwMode="auto">
+          <a:xfrm>
+            <a:off x="0" y="0"/>
+            <a:ext cx="12192000" cy="0"/>
+          </a:xfrm>
+          <a:prstGeom prst="rect">
+            <a:avLst/>
+          </a:prstGeom>
+          <a:noFill/>
+          <a:ln>
+            <a:noFill/>
+          </a:ln>
+          <a:effectLst/>
+          <a:extLst>
+            <a:ext uri="{909E8E84-426E-40DD-AFC4-6F175D3DCCD1}">
+              <a14:hiddenFill xmlns:a14="http://schemas.microsoft.com/office/drawing/2010/main">
+                <a:solidFill>
+                  <a:schemeClr val="accent1"/>
+                </a:solidFill>
+              </a14:hiddenFill>
+            </a:ext>
+            <a:ext uri="{91240B29-F687-4F45-9708-019B960494DF}">
+              <a14:hiddenLine xmlns:a14="http://schemas.microsoft.com/office/drawing/2010/main" w="9525">
+                <a:solidFill>
+                  <a:schemeClr val="tx1"/>
+                </a:solidFill>
+                <a:miter lim="800000"/>
+                <a:headEnd/>
+                <a:tailEnd/>
+              </a14:hiddenLine>
+            </a:ext>
+            <a:ext uri="{AF507438-7753-43E0-B8FC-AC1667EBCBE1}">
+              <a14:hiddenEffects xmlns:a14="http://schemas.microsoft.com/office/drawing/2010/main">
+                <a:effectLst>
+                  <a:outerShdw dist="35921" dir="2700000" algn="ctr" rotWithShape="0">
+                    <a:schemeClr val="bg2"/>
+                  </a:outerShdw>
+                </a:effectLst>
+              </a14:hiddenEffects>
+            </a:ext>
+          </a:extLst>
+        </p:spPr>
+        <p:txBody>
+          <a:bodyPr vert="horz" wrap="none" lIns="91440" tIns="45720" rIns="91440" bIns="45720" numCol="1" anchor="ctr" anchorCtr="0" compatLnSpc="1">
+            <a:prstTxWarp prst="textNoShape">
+              <a:avLst/>
+            </a:prstTxWarp>
+            <a:spAutoFit/>
+          </a:bodyPr>
+          <a:lstStyle/>
+          <a:p>
+            <a:endParaRPr lang="LID4096"/>
+          </a:p>
+        </p:txBody>
+      </p:sp>
+      <p:graphicFrame>
+        <p:nvGraphicFramePr>
+          <p:cNvPr id="5" name="Objekt 4">
+            <a:extLst>
+              <a:ext uri="{FF2B5EF4-FFF2-40B4-BE49-F238E27FC236}">
+                <a16:creationId xmlns:a16="http://schemas.microsoft.com/office/drawing/2014/main" id="{22B9B4FD-5B91-42EF-BDE6-B3D6425123DA}"/>
+              </a:ext>
+            </a:extLst>
+          </p:cNvPr>
+          <p:cNvGraphicFramePr>
+            <a:graphicFrameLocks noChangeAspect="1"/>
+          </p:cNvGraphicFramePr>
+          <p:nvPr>
+            <p:extLst>
+              <p:ext uri="{D42A27DB-BD31-4B8C-83A1-F6EECF244321}">
+                <p14:modId xmlns:p14="http://schemas.microsoft.com/office/powerpoint/2010/main" val="1113619381"/>
+              </p:ext>
+            </p:extLst>
+          </p:nvPr>
+        </p:nvGraphicFramePr>
+        <p:xfrm>
+          <a:off x="6535737" y="2462212"/>
+          <a:ext cx="4465638" cy="3078163"/>
+        </p:xfrm>
+        <a:graphic>
+          <a:graphicData uri="http://schemas.openxmlformats.org/presentationml/2006/ole">
+            <mc:AlternateContent xmlns:mc="http://schemas.openxmlformats.org/markup-compatibility/2006">
+              <mc:Choice xmlns:v="urn:schemas-microsoft-com:vml" Requires="v">
+                <p:oleObj spid="_x0000_s2059" name="Document" r:id="rId3" imgW="5734061" imgH="3079433" progId="Word.OpenDocumentText.12">
+                  <p:embed/>
+                </p:oleObj>
+              </mc:Choice>
+              <mc:Fallback>
+                <p:oleObj name="Document" r:id="rId3" imgW="5734061" imgH="3079433" progId="Word.OpenDocumentText.12">
+                  <p:embed/>
+                  <p:pic>
+                    <p:nvPicPr>
+                      <p:cNvPr id="0" name="Object 1"/>
+                      <p:cNvPicPr>
+                        <a:picLocks noChangeAspect="1" noChangeArrowheads="1"/>
+                      </p:cNvPicPr>
+                      <p:nvPr/>
+                    </p:nvPicPr>
+                    <p:blipFill>
+                      <a:blip r:embed="rId4">
+                        <a:extLst>
+                          <a:ext uri="{28A0092B-C50C-407E-A947-70E740481C1C}">
+                            <a14:useLocalDpi xmlns:a14="http://schemas.microsoft.com/office/drawing/2010/main" val="0"/>
+                          </a:ext>
+                        </a:extLst>
+                      </a:blip>
+                      <a:srcRect r="22075"/>
+                      <a:stretch>
+                        <a:fillRect/>
+                      </a:stretch>
+                    </p:blipFill>
+                    <p:spPr bwMode="auto">
+                      <a:xfrm>
+                        <a:off x="6535737" y="2462212"/>
+                        <a:ext cx="4465638" cy="3078163"/>
+                      </a:xfrm>
+                      <a:prstGeom prst="rect">
+                        <a:avLst/>
+                      </a:prstGeom>
+                      <a:solidFill>
+                        <a:srgbClr val="D9E2F3"/>
+                      </a:solidFill>
+                    </p:spPr>
+                  </p:pic>
+                </p:oleObj>
+              </mc:Fallback>
+            </mc:AlternateContent>
+          </a:graphicData>
+        </a:graphic>
+      </p:graphicFrame>
+      <p:sp>
+        <p:nvSpPr>
+          <p:cNvPr id="6" name="Rectangle 4">
+            <a:extLst>
+              <a:ext uri="{FF2B5EF4-FFF2-40B4-BE49-F238E27FC236}">
+                <a16:creationId xmlns:a16="http://schemas.microsoft.com/office/drawing/2014/main" id="{A4AD1B06-904E-462E-9EFD-843D03706A01}"/>
+              </a:ext>
+            </a:extLst>
+          </p:cNvPr>
+          <p:cNvSpPr>
+            <a:spLocks noChangeArrowheads="1"/>
+          </p:cNvSpPr>
+          <p:nvPr/>
+        </p:nvSpPr>
+        <p:spPr bwMode="auto">
+          <a:xfrm>
+            <a:off x="1190625" y="2462212"/>
+            <a:ext cx="12192000" cy="0"/>
+          </a:xfrm>
+          <a:prstGeom prst="rect">
+            <a:avLst/>
+          </a:prstGeom>
+          <a:noFill/>
+          <a:ln>
+            <a:noFill/>
+          </a:ln>
+          <a:effectLst/>
+          <a:extLst>
+            <a:ext uri="{909E8E84-426E-40DD-AFC4-6F175D3DCCD1}">
+              <a14:hiddenFill xmlns:a14="http://schemas.microsoft.com/office/drawing/2010/main">
+                <a:solidFill>
+                  <a:schemeClr val="accent1"/>
+                </a:solidFill>
+              </a14:hiddenFill>
+            </a:ext>
+            <a:ext uri="{91240B29-F687-4F45-9708-019B960494DF}">
+              <a14:hiddenLine xmlns:a14="http://schemas.microsoft.com/office/drawing/2010/main" w="9525">
+                <a:solidFill>
+                  <a:schemeClr val="tx1"/>
+                </a:solidFill>
+                <a:miter lim="800000"/>
+                <a:headEnd/>
+                <a:tailEnd/>
+              </a14:hiddenLine>
+            </a:ext>
+            <a:ext uri="{AF507438-7753-43E0-B8FC-AC1667EBCBE1}">
+              <a14:hiddenEffects xmlns:a14="http://schemas.microsoft.com/office/drawing/2010/main">
+                <a:effectLst>
+                  <a:outerShdw dist="35921" dir="2700000" algn="ctr" rotWithShape="0">
+                    <a:schemeClr val="bg2"/>
+                  </a:outerShdw>
+                </a:effectLst>
+              </a14:hiddenEffects>
+            </a:ext>
+          </a:extLst>
+        </p:spPr>
+        <p:txBody>
+          <a:bodyPr vert="horz" wrap="none" lIns="91440" tIns="45720" rIns="91440" bIns="45720" numCol="1" anchor="ctr" anchorCtr="0" compatLnSpc="1">
+            <a:prstTxWarp prst="textNoShape">
+              <a:avLst/>
+            </a:prstTxWarp>
+            <a:spAutoFit/>
+          </a:bodyPr>
+          <a:lstStyle/>
+          <a:p>
+            <a:endParaRPr lang="LID4096"/>
+          </a:p>
+        </p:txBody>
+      </p:sp>
+      <p:graphicFrame>
+        <p:nvGraphicFramePr>
+          <p:cNvPr id="7" name="Objekt 6">
+            <a:extLst>
+              <a:ext uri="{FF2B5EF4-FFF2-40B4-BE49-F238E27FC236}">
+                <a16:creationId xmlns:a16="http://schemas.microsoft.com/office/drawing/2014/main" id="{4B3E872D-BD24-4F04-8939-B825D9EFA9AC}"/>
+              </a:ext>
+            </a:extLst>
+          </p:cNvPr>
+          <p:cNvGraphicFramePr>
+            <a:graphicFrameLocks noChangeAspect="1"/>
+          </p:cNvGraphicFramePr>
+          <p:nvPr>
+            <p:extLst>
+              <p:ext uri="{D42A27DB-BD31-4B8C-83A1-F6EECF244321}">
+                <p14:modId xmlns:p14="http://schemas.microsoft.com/office/powerpoint/2010/main" val="3008055"/>
+              </p:ext>
+            </p:extLst>
+          </p:nvPr>
+        </p:nvGraphicFramePr>
+        <p:xfrm>
+          <a:off x="1495425" y="2462212"/>
+          <a:ext cx="3657600" cy="3222625"/>
+        </p:xfrm>
+        <a:graphic>
+          <a:graphicData uri="http://schemas.openxmlformats.org/presentationml/2006/ole">
+            <mc:AlternateContent xmlns:mc="http://schemas.openxmlformats.org/markup-compatibility/2006">
+              <mc:Choice xmlns:v="urn:schemas-microsoft-com:vml" Requires="v">
+                <p:oleObj spid="_x0000_s2060" name="Document" r:id="rId5" imgW="5731560" imgH="3220920" progId="Word.OpenDocumentText.12">
+                  <p:embed/>
+                </p:oleObj>
+              </mc:Choice>
+              <mc:Fallback>
+                <p:oleObj name="Document" r:id="rId5" imgW="5731560" imgH="3220920" progId="Word.OpenDocumentText.12">
+                  <p:embed/>
+                  <p:pic>
+                    <p:nvPicPr>
+                      <p:cNvPr id="0" name="Object 3"/>
+                      <p:cNvPicPr>
+                        <a:picLocks noChangeAspect="1" noChangeArrowheads="1"/>
+                      </p:cNvPicPr>
+                      <p:nvPr/>
+                    </p:nvPicPr>
+                    <p:blipFill>
+                      <a:blip r:embed="rId6"/>
+                      <a:srcRect r="36169"/>
+                      <a:stretch>
+                        <a:fillRect/>
+                      </a:stretch>
+                    </p:blipFill>
+                    <p:spPr bwMode="auto">
+                      <a:xfrm>
+                        <a:off x="1495425" y="2462212"/>
+                        <a:ext cx="3657600" cy="3222625"/>
+                      </a:xfrm>
+                      <a:prstGeom prst="rect">
+                        <a:avLst/>
+                      </a:prstGeom>
+                      <a:solidFill>
+                        <a:srgbClr val="D9E2F3"/>
+                      </a:solidFill>
+                    </p:spPr>
+                  </p:pic>
+                </p:oleObj>
+              </mc:Fallback>
+            </mc:AlternateContent>
+          </a:graphicData>
+        </a:graphic>
+      </p:graphicFrame>
+      <p:sp>
+        <p:nvSpPr>
+          <p:cNvPr id="8" name="Tekstfelt 7">
+            <a:extLst>
+              <a:ext uri="{FF2B5EF4-FFF2-40B4-BE49-F238E27FC236}">
+                <a16:creationId xmlns:a16="http://schemas.microsoft.com/office/drawing/2014/main" id="{5D8C9CFF-26E6-42CA-B862-FE90D656E287}"/>
+              </a:ext>
+            </a:extLst>
+          </p:cNvPr>
+          <p:cNvSpPr txBox="1"/>
+          <p:nvPr/>
+        </p:nvSpPr>
+        <p:spPr>
+          <a:xfrm>
+            <a:off x="1495425" y="1908216"/>
+            <a:ext cx="1087157" cy="369332"/>
+          </a:xfrm>
+          <a:prstGeom prst="rect">
+            <a:avLst/>
+          </a:prstGeom>
+          <a:noFill/>
+        </p:spPr>
+        <p:txBody>
+          <a:bodyPr wrap="none" rtlCol="0">
+            <a:spAutoFit/>
+          </a:bodyPr>
+          <a:lstStyle/>
+          <a:p>
+            <a:r>
               <a:rPr lang="da-DK" dirty="0"/>
-              <a:t> </a:t>
-            </a:r>
-            <a:r>
-              <a:rPr lang="da-DK" dirty="0" err="1"/>
-              <a:t>implementation</a:t>
+              <a:t>The base:</a:t>
             </a:r>
             <a:endParaRPr lang="LID4096" dirty="0"/>
           </a:p>
@@ -4225,26 +5124,36 @@
       </p:sp>
       <p:sp>
         <p:nvSpPr>
-          <p:cNvPr id="3" name="Pladsholder til indhold 2">
-            <a:extLst>
-              <a:ext uri="{FF2B5EF4-FFF2-40B4-BE49-F238E27FC236}">
-                <a16:creationId xmlns:a16="http://schemas.microsoft.com/office/drawing/2014/main" id="{147F8651-B2F1-4BA1-900A-066F88792231}"/>
-              </a:ext>
-            </a:extLst>
-          </p:cNvPr>
-          <p:cNvSpPr>
-            <a:spLocks noGrp="1"/>
-          </p:cNvSpPr>
-          <p:nvPr>
-            <p:ph idx="1"/>
-          </p:nvPr>
-        </p:nvSpPr>
-        <p:spPr/>
-        <p:txBody>
-          <a:bodyPr/>
-          <a:lstStyle/>
-          <a:p>
-            <a:endParaRPr lang="LID4096"/>
+          <p:cNvPr id="9" name="Tekstfelt 8">
+            <a:extLst>
+              <a:ext uri="{FF2B5EF4-FFF2-40B4-BE49-F238E27FC236}">
+                <a16:creationId xmlns:a16="http://schemas.microsoft.com/office/drawing/2014/main" id="{0740FB58-7256-4025-8625-7D6E23002BAC}"/>
+              </a:ext>
+            </a:extLst>
+          </p:cNvPr>
+          <p:cNvSpPr txBox="1"/>
+          <p:nvPr/>
+        </p:nvSpPr>
+        <p:spPr>
+          <a:xfrm>
+            <a:off x="6535737" y="1908216"/>
+            <a:ext cx="2791342" cy="369332"/>
+          </a:xfrm>
+          <a:prstGeom prst="rect">
+            <a:avLst/>
+          </a:prstGeom>
+          <a:noFill/>
+        </p:spPr>
+        <p:txBody>
+          <a:bodyPr wrap="none" rtlCol="0">
+            <a:spAutoFit/>
+          </a:bodyPr>
+          <a:lstStyle/>
+          <a:p>
+            <a:r>
+              <a:rPr lang="en-GB" dirty="0"/>
+              <a:t>The decorator who inherits:</a:t>
+            </a:r>
           </a:p>
         </p:txBody>
       </p:sp>
@@ -4300,10 +5209,10 @@
           <a:lstStyle/>
           <a:p>
             <a:r>
-              <a:rPr lang="da-DK" dirty="0" err="1"/>
+              <a:rPr lang="da-DK" b="1" dirty="0" err="1"/>
               <a:t>Comparison</a:t>
             </a:r>
-            <a:endParaRPr lang="LID4096" dirty="0"/>
+            <a:endParaRPr lang="LID4096" b="1" dirty="0"/>
           </a:p>
         </p:txBody>
       </p:sp>
@@ -4384,10 +5293,10 @@
           <a:lstStyle/>
           <a:p>
             <a:r>
-              <a:rPr lang="da-DK" dirty="0" err="1"/>
+              <a:rPr lang="da-DK" b="1" dirty="0" err="1"/>
               <a:t>Conclusion</a:t>
             </a:r>
-            <a:endParaRPr lang="LID4096" dirty="0"/>
+            <a:endParaRPr lang="LID4096" b="1" dirty="0"/>
           </a:p>
         </p:txBody>
       </p:sp>

--- a/Slides/The Decorator pattern.pptx
+++ b/Slides/The Decorator pattern.pptx
@@ -3373,7 +3373,7 @@
         </p:nvSpPr>
         <p:spPr>
           <a:xfrm>
-            <a:off x="361950" y="1335087"/>
+            <a:off x="361949" y="1698952"/>
             <a:ext cx="5524500" cy="863600"/>
           </a:xfrm>
         </p:spPr>
@@ -3384,18 +3384,18 @@
           <a:lstStyle/>
           <a:p>
             <a:r>
-              <a:rPr lang="da-DK" sz="4400" b="1" dirty="0"/>
+              <a:rPr lang="da-DK" sz="4400" b="1" u="sng" dirty="0"/>
               <a:t>The </a:t>
             </a:r>
             <a:r>
-              <a:rPr lang="en-GB" sz="4400" b="1" dirty="0"/>
+              <a:rPr lang="en-GB" sz="4400" b="1" u="sng" dirty="0"/>
               <a:t>Decorator</a:t>
             </a:r>
             <a:r>
-              <a:rPr lang="da-DK" sz="4400" b="1" dirty="0"/>
+              <a:rPr lang="da-DK" sz="4400" b="1" u="sng" dirty="0"/>
               <a:t> pattern</a:t>
             </a:r>
-            <a:endParaRPr lang="LID4096" sz="4400" b="1" dirty="0"/>
+            <a:endParaRPr lang="LID4096" sz="4400" b="1" u="sng" dirty="0"/>
           </a:p>
         </p:txBody>
       </p:sp>
@@ -3417,20 +3417,26 @@
         </p:nvSpPr>
         <p:spPr>
           <a:xfrm>
-            <a:off x="133350" y="4192588"/>
-            <a:ext cx="5981700" cy="1655762"/>
+            <a:off x="1546130" y="3429000"/>
+            <a:ext cx="3156138" cy="1912938"/>
           </a:xfrm>
         </p:spPr>
         <p:txBody>
-          <a:bodyPr/>
+          <a:bodyPr>
+            <a:normAutofit/>
+          </a:bodyPr>
           <a:lstStyle/>
           <a:p>
             <a:r>
               <a:rPr lang="da-DK" dirty="0"/>
               <a:t>Group 4</a:t>
             </a:r>
-          </a:p>
-          <a:p>
+            <a:br>
+              <a:rPr lang="da-DK" dirty="0"/>
+            </a:br>
+            <a:br>
+              <a:rPr lang="da-DK" dirty="0"/>
+            </a:br>
             <a:r>
               <a:rPr lang="da-DK" dirty="0"/>
               <a:t>Asger Breinholm, Mathias Brændgaard and Rob </a:t>
@@ -3469,7 +3475,7 @@
         </p:blipFill>
         <p:spPr>
           <a:xfrm>
-            <a:off x="5257800" y="525462"/>
+            <a:off x="5105400" y="758544"/>
             <a:ext cx="6838950" cy="5807076"/>
           </a:xfrm>
           <a:prstGeom prst="rect">
@@ -3538,31 +3544,6 @@
       </p:sp>
       <p:sp>
         <p:nvSpPr>
-          <p:cNvPr id="3" name="Pladsholder til indhold 2">
-            <a:extLst>
-              <a:ext uri="{FF2B5EF4-FFF2-40B4-BE49-F238E27FC236}">
-                <a16:creationId xmlns:a16="http://schemas.microsoft.com/office/drawing/2014/main" id="{42A7276F-C126-4430-85A9-9BE50F9597B0}"/>
-              </a:ext>
-            </a:extLst>
-          </p:cNvPr>
-          <p:cNvSpPr>
-            <a:spLocks noGrp="1"/>
-          </p:cNvSpPr>
-          <p:nvPr>
-            <p:ph idx="1"/>
-          </p:nvPr>
-        </p:nvSpPr>
-        <p:spPr/>
-        <p:txBody>
-          <a:bodyPr/>
-          <a:lstStyle/>
-          <a:p>
-            <a:endParaRPr lang="LID4096" dirty="0"/>
-          </a:p>
-        </p:txBody>
-      </p:sp>
-      <p:sp>
-        <p:nvSpPr>
           <p:cNvPr id="4" name="Pladsholder til indhold 2">
             <a:extLst>
               <a:ext uri="{FF2B5EF4-FFF2-40B4-BE49-F238E27FC236}">
@@ -3577,8 +3558,8 @@
         </p:nvSpPr>
         <p:spPr>
           <a:xfrm>
-            <a:off x="5707515" y="2873253"/>
-            <a:ext cx="4885765" cy="660099"/>
+            <a:off x="5862430" y="2864289"/>
+            <a:ext cx="5024230" cy="660099"/>
           </a:xfrm>
           <a:prstGeom prst="rect">
             <a:avLst/>
@@ -3757,22 +3738,9 @@
               <a:buNone/>
             </a:pPr>
             <a:r>
-              <a:rPr lang="da-DK" sz="4400" dirty="0" err="1"/>
-              <a:t>Extention</a:t>
-            </a:r>
-            <a:r>
-              <a:rPr lang="da-DK" sz="4400" dirty="0"/>
-              <a:t> at </a:t>
-            </a:r>
-            <a:r>
-              <a:rPr lang="da-DK" sz="4400" dirty="0" err="1"/>
-              <a:t>runtime</a:t>
-            </a:r>
-            <a:r>
-              <a:rPr lang="da-DK" sz="4400" dirty="0"/>
-              <a:t> </a:t>
-            </a:r>
-            <a:endParaRPr lang="LID4096" sz="4400" dirty="0"/>
+              <a:rPr lang="en-GB" sz="4400" dirty="0"/>
+              <a:t>Extension at runtime </a:t>
+            </a:r>
           </a:p>
         </p:txBody>
       </p:sp>
@@ -3792,7 +3760,7 @@
         </p:nvSpPr>
         <p:spPr>
           <a:xfrm>
-            <a:off x="5707515" y="1995300"/>
+            <a:off x="5862430" y="1986336"/>
             <a:ext cx="4701193" cy="660099"/>
           </a:xfrm>
           <a:prstGeom prst="rect">
@@ -3972,14 +3940,9 @@
               <a:buNone/>
             </a:pPr>
             <a:r>
-              <a:rPr lang="da-DK" sz="4400" dirty="0"/>
-              <a:t>Subclass </a:t>
-            </a:r>
-            <a:r>
-              <a:rPr lang="da-DK" sz="4400" dirty="0" err="1"/>
-              <a:t>everything</a:t>
-            </a:r>
-            <a:endParaRPr lang="LID4096" sz="4400" dirty="0"/>
+              <a:rPr lang="en-GB" sz="4400" dirty="0"/>
+              <a:t>Subclass everything</a:t>
+            </a:r>
           </a:p>
         </p:txBody>
       </p:sp>
@@ -4010,7 +3973,7 @@
         </p:blipFill>
         <p:spPr bwMode="auto">
           <a:xfrm>
-            <a:off x="10593280" y="1825625"/>
+            <a:off x="10563623" y="1814065"/>
             <a:ext cx="721659" cy="726005"/>
           </a:xfrm>
           <a:prstGeom prst="rect">
@@ -4057,7 +4020,7 @@
         </p:blipFill>
         <p:spPr bwMode="auto">
           <a:xfrm>
-            <a:off x="10593280" y="2726979"/>
+            <a:off x="10886660" y="2763868"/>
             <a:ext cx="760520" cy="760520"/>
           </a:xfrm>
           <a:prstGeom prst="rect">
@@ -4075,6 +4038,75 @@
           </a:extLst>
         </p:spPr>
       </p:pic>
+      <p:pic>
+        <p:nvPicPr>
+          <p:cNvPr id="7" name="Billede 6">
+            <a:extLst>
+              <a:ext uri="{FF2B5EF4-FFF2-40B4-BE49-F238E27FC236}">
+                <a16:creationId xmlns:a16="http://schemas.microsoft.com/office/drawing/2014/main" id="{16CE4599-80E8-490C-B6C8-273759EE4FFA}"/>
+              </a:ext>
+              <a:ext uri="{C183D7F6-B498-43B3-948B-1728B52AA6E4}">
+                <adec:decorative xmlns:adec="http://schemas.microsoft.com/office/drawing/2017/decorative" val="0"/>
+              </a:ext>
+            </a:extLst>
+          </p:cNvPr>
+          <p:cNvPicPr>
+            <a:picLocks noChangeAspect="1"/>
+          </p:cNvPicPr>
+          <p:nvPr/>
+        </p:nvPicPr>
+        <p:blipFill>
+          <a:blip r:embed="rId4"/>
+          <a:stretch>
+            <a:fillRect/>
+          </a:stretch>
+        </p:blipFill>
+        <p:spPr>
+          <a:xfrm>
+            <a:off x="683285" y="1690688"/>
+            <a:ext cx="5024230" cy="4260280"/>
+          </a:xfrm>
+          <a:prstGeom prst="rect">
+            <a:avLst/>
+          </a:prstGeom>
+        </p:spPr>
+      </p:pic>
+      <p:sp>
+        <p:nvSpPr>
+          <p:cNvPr id="8" name="Tekstfelt 7">
+            <a:extLst>
+              <a:ext uri="{FF2B5EF4-FFF2-40B4-BE49-F238E27FC236}">
+                <a16:creationId xmlns:a16="http://schemas.microsoft.com/office/drawing/2014/main" id="{8E3FAFCF-2AB6-4B85-A7EE-6CCCC8F978A0}"/>
+              </a:ext>
+            </a:extLst>
+          </p:cNvPr>
+          <p:cNvSpPr txBox="1"/>
+          <p:nvPr/>
+        </p:nvSpPr>
+        <p:spPr>
+          <a:xfrm>
+            <a:off x="838200" y="5950968"/>
+            <a:ext cx="4607859" cy="215444"/>
+          </a:xfrm>
+          <a:prstGeom prst="rect">
+            <a:avLst/>
+          </a:prstGeom>
+          <a:noFill/>
+        </p:spPr>
+        <p:txBody>
+          <a:bodyPr wrap="square" rtlCol="0">
+            <a:spAutoFit/>
+          </a:bodyPr>
+          <a:lstStyle/>
+          <a:p>
+            <a:r>
+              <a:rPr lang="da-DK" sz="800" dirty="0"/>
+              <a:t>* Head First, Design Patterns – Eric Freeman and Elisabeth Freeman with Kathy Sierra and Bert Bates</a:t>
+            </a:r>
+            <a:endParaRPr lang="LID4096" sz="800" dirty="0"/>
+          </a:p>
+        </p:txBody>
+      </p:sp>
     </p:spTree>
     <p:extLst>
       <p:ext uri="{BB962C8B-B14F-4D97-AF65-F5344CB8AC3E}">
@@ -4159,7 +4191,7 @@
           <a:bodyPr/>
           <a:lstStyle/>
           <a:p>
-            <a:endParaRPr lang="LID4096"/>
+            <a:endParaRPr lang="LID4096" dirty="0"/>
           </a:p>
         </p:txBody>
       </p:sp>
@@ -4189,7 +4221,7 @@
         </p:blipFill>
         <p:spPr>
           <a:xfrm>
-            <a:off x="7239000" y="1787525"/>
+            <a:off x="7247965" y="1917700"/>
             <a:ext cx="3810000" cy="3022600"/>
           </a:xfrm>
           <a:prstGeom prst="rect">
@@ -4688,14 +4720,9 @@
           <a:lstStyle/>
           <a:p>
             <a:r>
-              <a:rPr lang="da-DK" b="1" dirty="0" err="1"/>
-              <a:t>Sequence</a:t>
-            </a:r>
-            <a:r>
-              <a:rPr lang="da-DK" b="1" dirty="0"/>
-              <a:t> diagram</a:t>
-            </a:r>
-            <a:endParaRPr lang="LID4096" b="1" dirty="0"/>
+              <a:rPr lang="en-GB" b="1" dirty="0"/>
+              <a:t>Sequence diagram</a:t>
+            </a:r>
           </a:p>
         </p:txBody>
       </p:sp>
@@ -4789,18 +4816,9 @@
           <a:lstStyle/>
           <a:p>
             <a:r>
-              <a:rPr lang="da-DK" b="1" dirty="0" err="1"/>
-              <a:t>Our</a:t>
-            </a:r>
-            <a:r>
-              <a:rPr lang="da-DK" b="1" dirty="0"/>
-              <a:t> </a:t>
-            </a:r>
-            <a:r>
-              <a:rPr lang="da-DK" b="1" dirty="0" err="1"/>
-              <a:t>implementation</a:t>
-            </a:r>
-            <a:endParaRPr lang="LID4096" b="1" dirty="0"/>
+              <a:rPr lang="en-GB" b="1" dirty="0"/>
+              <a:t>Our implementation</a:t>
+            </a:r>
           </a:p>
         </p:txBody>
       </p:sp>
@@ -4901,7 +4919,7 @@
           <a:graphicData uri="http://schemas.openxmlformats.org/presentationml/2006/ole">
             <mc:AlternateContent xmlns:mc="http://schemas.openxmlformats.org/markup-compatibility/2006">
               <mc:Choice xmlns:v="urn:schemas-microsoft-com:vml" Requires="v">
-                <p:oleObj spid="_x0000_s2059" name="Document" r:id="rId3" imgW="5734061" imgH="3079433" progId="Word.OpenDocumentText.12">
+                <p:oleObj spid="_x0000_s2069" name="Document" r:id="rId3" imgW="5734061" imgH="3079433" progId="Word.OpenDocumentText.12">
                   <p:embed/>
                 </p:oleObj>
               </mc:Choice>
@@ -5045,7 +5063,7 @@
           <a:graphicData uri="http://schemas.openxmlformats.org/presentationml/2006/ole">
             <mc:AlternateContent xmlns:mc="http://schemas.openxmlformats.org/markup-compatibility/2006">
               <mc:Choice xmlns:v="urn:schemas-microsoft-com:vml" Requires="v">
-                <p:oleObj spid="_x0000_s2060" name="Document" r:id="rId5" imgW="5731560" imgH="3220920" progId="Word.OpenDocumentText.12">
+                <p:oleObj spid="_x0000_s2070" name="Document" r:id="rId5" imgW="5731560" imgH="3220920" progId="Word.OpenDocumentText.12">
                   <p:embed/>
                 </p:oleObj>
               </mc:Choice>
@@ -5101,7 +5119,7 @@
         <p:spPr>
           <a:xfrm>
             <a:off x="1495425" y="1908216"/>
-            <a:ext cx="1087157" cy="369332"/>
+            <a:ext cx="1489318" cy="369332"/>
           </a:xfrm>
           <a:prstGeom prst="rect">
             <a:avLst/>
@@ -5116,7 +5134,7 @@
           <a:p>
             <a:r>
               <a:rPr lang="da-DK" dirty="0"/>
-              <a:t>The base:</a:t>
+              <a:t>LevelUp base:</a:t>
             </a:r>
             <a:endParaRPr lang="LID4096" dirty="0"/>
           </a:p>
@@ -5137,7 +5155,7 @@
         <p:spPr>
           <a:xfrm>
             <a:off x="6535737" y="1908216"/>
-            <a:ext cx="2791342" cy="369332"/>
+            <a:ext cx="3376437" cy="369332"/>
           </a:xfrm>
           <a:prstGeom prst="rect">
             <a:avLst/>
@@ -5152,7 +5170,7 @@
           <a:p>
             <a:r>
               <a:rPr lang="en-GB" dirty="0"/>
-              <a:t>The decorator who inherits:</a:t>
+              <a:t>The decorator StrUp who inherits:</a:t>
             </a:r>
           </a:p>
         </p:txBody>
@@ -5209,10 +5227,9 @@
           <a:lstStyle/>
           <a:p>
             <a:r>
-              <a:rPr lang="da-DK" b="1" dirty="0" err="1"/>
+              <a:rPr lang="en-GB" b="1" dirty="0"/>
               <a:t>Comparison</a:t>
             </a:r>
-            <a:endParaRPr lang="LID4096" b="1" dirty="0"/>
           </a:p>
         </p:txBody>
       </p:sp>
@@ -5293,10 +5310,9 @@
           <a:lstStyle/>
           <a:p>
             <a:r>
-              <a:rPr lang="da-DK" b="1" dirty="0" err="1"/>
+              <a:rPr lang="en-GB" b="1" dirty="0"/>
               <a:t>Conclusion</a:t>
             </a:r>
-            <a:endParaRPr lang="LID4096" b="1" dirty="0"/>
           </a:p>
         </p:txBody>
       </p:sp>

--- a/Slides/The Decorator pattern.pptx
+++ b/Slides/The Decorator pattern.pptx
@@ -120,6 +120,18 @@
 </p:presentation>
 </file>
 
+<file path=ppt/commentAuthors.xml><?xml version="1.0" encoding="utf-8"?>
+<p:cmAuthorLst xmlns:a="http://schemas.openxmlformats.org/drawingml/2006/main" xmlns:r="http://schemas.openxmlformats.org/officeDocument/2006/relationships" xmlns:p="http://schemas.openxmlformats.org/presentationml/2006/main">
+  <p:cmAuthor id="1" name="Asger Busk Breinholm" initials="ABB" lastIdx="3" clrIdx="0">
+    <p:extLst>
+      <p:ext uri="{19B8F6BF-5375-455C-9EA6-DF929625EA0E}">
+        <p15:presenceInfo xmlns:p15="http://schemas.microsoft.com/office/powerpoint/2012/main" userId="ab34d727c2e67856" providerId="Windows Live"/>
+      </p:ext>
+    </p:extLst>
+  </p:cmAuthor>
+</p:cmAuthorLst>
+</file>
+
 <file path=ppt/slideLayouts/slideLayout1.xml><?xml version="1.0" encoding="utf-8"?>
 <p:sldLayout xmlns:a="http://schemas.openxmlformats.org/drawingml/2006/main" xmlns:r="http://schemas.openxmlformats.org/officeDocument/2006/relationships" xmlns:p="http://schemas.openxmlformats.org/presentationml/2006/main" type="title" preserve="1">
   <p:cSld name="Titelslide">
@@ -269,7 +281,7 @@
           <a:p>
             <a:fld id="{B14A3956-DF39-40C1-9994-18D9E8B714C2}" type="datetimeFigureOut">
               <a:rPr lang="LID4096" smtClean="0"/>
-              <a:t>11/03/2021</a:t>
+              <a:t>11/04/2021</a:t>
             </a:fld>
             <a:endParaRPr lang="LID4096"/>
           </a:p>
@@ -469,7 +481,7 @@
           <a:p>
             <a:fld id="{B14A3956-DF39-40C1-9994-18D9E8B714C2}" type="datetimeFigureOut">
               <a:rPr lang="LID4096" smtClean="0"/>
-              <a:t>11/03/2021</a:t>
+              <a:t>11/04/2021</a:t>
             </a:fld>
             <a:endParaRPr lang="LID4096"/>
           </a:p>
@@ -679,7 +691,7 @@
           <a:p>
             <a:fld id="{B14A3956-DF39-40C1-9994-18D9E8B714C2}" type="datetimeFigureOut">
               <a:rPr lang="LID4096" smtClean="0"/>
-              <a:t>11/03/2021</a:t>
+              <a:t>11/04/2021</a:t>
             </a:fld>
             <a:endParaRPr lang="LID4096"/>
           </a:p>
@@ -879,7 +891,7 @@
           <a:p>
             <a:fld id="{B14A3956-DF39-40C1-9994-18D9E8B714C2}" type="datetimeFigureOut">
               <a:rPr lang="LID4096" smtClean="0"/>
-              <a:t>11/03/2021</a:t>
+              <a:t>11/04/2021</a:t>
             </a:fld>
             <a:endParaRPr lang="LID4096"/>
           </a:p>
@@ -1155,7 +1167,7 @@
           <a:p>
             <a:fld id="{B14A3956-DF39-40C1-9994-18D9E8B714C2}" type="datetimeFigureOut">
               <a:rPr lang="LID4096" smtClean="0"/>
-              <a:t>11/03/2021</a:t>
+              <a:t>11/04/2021</a:t>
             </a:fld>
             <a:endParaRPr lang="LID4096"/>
           </a:p>
@@ -1423,7 +1435,7 @@
           <a:p>
             <a:fld id="{B14A3956-DF39-40C1-9994-18D9E8B714C2}" type="datetimeFigureOut">
               <a:rPr lang="LID4096" smtClean="0"/>
-              <a:t>11/03/2021</a:t>
+              <a:t>11/04/2021</a:t>
             </a:fld>
             <a:endParaRPr lang="LID4096"/>
           </a:p>
@@ -1838,7 +1850,7 @@
           <a:p>
             <a:fld id="{B14A3956-DF39-40C1-9994-18D9E8B714C2}" type="datetimeFigureOut">
               <a:rPr lang="LID4096" smtClean="0"/>
-              <a:t>11/03/2021</a:t>
+              <a:t>11/04/2021</a:t>
             </a:fld>
             <a:endParaRPr lang="LID4096"/>
           </a:p>
@@ -1980,7 +1992,7 @@
           <a:p>
             <a:fld id="{B14A3956-DF39-40C1-9994-18D9E8B714C2}" type="datetimeFigureOut">
               <a:rPr lang="LID4096" smtClean="0"/>
-              <a:t>11/03/2021</a:t>
+              <a:t>11/04/2021</a:t>
             </a:fld>
             <a:endParaRPr lang="LID4096"/>
           </a:p>
@@ -2093,7 +2105,7 @@
           <a:p>
             <a:fld id="{B14A3956-DF39-40C1-9994-18D9E8B714C2}" type="datetimeFigureOut">
               <a:rPr lang="LID4096" smtClean="0"/>
-              <a:t>11/03/2021</a:t>
+              <a:t>11/04/2021</a:t>
             </a:fld>
             <a:endParaRPr lang="LID4096"/>
           </a:p>
@@ -2406,7 +2418,7 @@
           <a:p>
             <a:fld id="{B14A3956-DF39-40C1-9994-18D9E8B714C2}" type="datetimeFigureOut">
               <a:rPr lang="LID4096" smtClean="0"/>
-              <a:t>11/03/2021</a:t>
+              <a:t>11/04/2021</a:t>
             </a:fld>
             <a:endParaRPr lang="LID4096"/>
           </a:p>
@@ -2695,7 +2707,7 @@
           <a:p>
             <a:fld id="{B14A3956-DF39-40C1-9994-18D9E8B714C2}" type="datetimeFigureOut">
               <a:rPr lang="LID4096" smtClean="0"/>
-              <a:t>11/03/2021</a:t>
+              <a:t>11/04/2021</a:t>
             </a:fld>
             <a:endParaRPr lang="LID4096"/>
           </a:p>
@@ -2938,7 +2950,7 @@
           <a:p>
             <a:fld id="{B14A3956-DF39-40C1-9994-18D9E8B714C2}" type="datetimeFigureOut">
               <a:rPr lang="LID4096" smtClean="0"/>
-              <a:t>11/03/2021</a:t>
+              <a:t>11/04/2021</a:t>
             </a:fld>
             <a:endParaRPr lang="LID4096"/>
           </a:p>
@@ -3544,10 +3556,10 @@
       </p:sp>
       <p:sp>
         <p:nvSpPr>
-          <p:cNvPr id="4" name="Pladsholder til indhold 2">
-            <a:extLst>
-              <a:ext uri="{FF2B5EF4-FFF2-40B4-BE49-F238E27FC236}">
-                <a16:creationId xmlns:a16="http://schemas.microsoft.com/office/drawing/2014/main" id="{D31E12A0-2DA8-4D74-9A08-0CA8D71F9F08}"/>
+          <p:cNvPr id="9" name="Pladsholder til indhold 2">
+            <a:extLst>
+              <a:ext uri="{FF2B5EF4-FFF2-40B4-BE49-F238E27FC236}">
+                <a16:creationId xmlns:a16="http://schemas.microsoft.com/office/drawing/2014/main" id="{83CED092-1D46-41CC-92FD-648DC5C8EC82}"/>
               </a:ext>
             </a:extLst>
           </p:cNvPr>
@@ -3558,7 +3570,579 @@
         </p:nvSpPr>
         <p:spPr>
           <a:xfrm>
-            <a:off x="5862430" y="2864289"/>
+            <a:off x="5862430" y="1986336"/>
+            <a:ext cx="4701193" cy="660099"/>
+          </a:xfrm>
+          <a:prstGeom prst="rect">
+            <a:avLst/>
+          </a:prstGeom>
+        </p:spPr>
+        <p:txBody>
+          <a:bodyPr vert="horz" lIns="91440" tIns="45720" rIns="91440" bIns="45720" rtlCol="0">
+            <a:normAutofit lnSpcReduction="10000"/>
+          </a:bodyPr>
+          <a:lstStyle>
+            <a:lvl1pPr marL="228600" indent="-228600" algn="l" defTabSz="914400" rtl="0" eaLnBrk="1" latinLnBrk="0" hangingPunct="1">
+              <a:lnSpc>
+                <a:spcPct val="90000"/>
+              </a:lnSpc>
+              <a:spcBef>
+                <a:spcPts val="1000"/>
+              </a:spcBef>
+              <a:buFont typeface="Arial" panose="020B0604020202020204" pitchFamily="34" charset="0"/>
+              <a:buChar char="•"/>
+              <a:defRPr sz="2800" kern="1200">
+                <a:solidFill>
+                  <a:schemeClr val="tx1"/>
+                </a:solidFill>
+                <a:latin typeface="+mn-lt"/>
+                <a:ea typeface="+mn-ea"/>
+                <a:cs typeface="+mn-cs"/>
+              </a:defRPr>
+            </a:lvl1pPr>
+            <a:lvl2pPr marL="685800" indent="-228600" algn="l" defTabSz="914400" rtl="0" eaLnBrk="1" latinLnBrk="0" hangingPunct="1">
+              <a:lnSpc>
+                <a:spcPct val="90000"/>
+              </a:lnSpc>
+              <a:spcBef>
+                <a:spcPts val="500"/>
+              </a:spcBef>
+              <a:buFont typeface="Arial" panose="020B0604020202020204" pitchFamily="34" charset="0"/>
+              <a:buChar char="•"/>
+              <a:defRPr sz="2400" kern="1200">
+                <a:solidFill>
+                  <a:schemeClr val="tx1"/>
+                </a:solidFill>
+                <a:latin typeface="+mn-lt"/>
+                <a:ea typeface="+mn-ea"/>
+                <a:cs typeface="+mn-cs"/>
+              </a:defRPr>
+            </a:lvl2pPr>
+            <a:lvl3pPr marL="1143000" indent="-228600" algn="l" defTabSz="914400" rtl="0" eaLnBrk="1" latinLnBrk="0" hangingPunct="1">
+              <a:lnSpc>
+                <a:spcPct val="90000"/>
+              </a:lnSpc>
+              <a:spcBef>
+                <a:spcPts val="500"/>
+              </a:spcBef>
+              <a:buFont typeface="Arial" panose="020B0604020202020204" pitchFamily="34" charset="0"/>
+              <a:buChar char="•"/>
+              <a:defRPr sz="2000" kern="1200">
+                <a:solidFill>
+                  <a:schemeClr val="tx1"/>
+                </a:solidFill>
+                <a:latin typeface="+mn-lt"/>
+                <a:ea typeface="+mn-ea"/>
+                <a:cs typeface="+mn-cs"/>
+              </a:defRPr>
+            </a:lvl3pPr>
+            <a:lvl4pPr marL="1600200" indent="-228600" algn="l" defTabSz="914400" rtl="0" eaLnBrk="1" latinLnBrk="0" hangingPunct="1">
+              <a:lnSpc>
+                <a:spcPct val="90000"/>
+              </a:lnSpc>
+              <a:spcBef>
+                <a:spcPts val="500"/>
+              </a:spcBef>
+              <a:buFont typeface="Arial" panose="020B0604020202020204" pitchFamily="34" charset="0"/>
+              <a:buChar char="•"/>
+              <a:defRPr sz="1800" kern="1200">
+                <a:solidFill>
+                  <a:schemeClr val="tx1"/>
+                </a:solidFill>
+                <a:latin typeface="+mn-lt"/>
+                <a:ea typeface="+mn-ea"/>
+                <a:cs typeface="+mn-cs"/>
+              </a:defRPr>
+            </a:lvl4pPr>
+            <a:lvl5pPr marL="2057400" indent="-228600" algn="l" defTabSz="914400" rtl="0" eaLnBrk="1" latinLnBrk="0" hangingPunct="1">
+              <a:lnSpc>
+                <a:spcPct val="90000"/>
+              </a:lnSpc>
+              <a:spcBef>
+                <a:spcPts val="500"/>
+              </a:spcBef>
+              <a:buFont typeface="Arial" panose="020B0604020202020204" pitchFamily="34" charset="0"/>
+              <a:buChar char="•"/>
+              <a:defRPr sz="1800" kern="1200">
+                <a:solidFill>
+                  <a:schemeClr val="tx1"/>
+                </a:solidFill>
+                <a:latin typeface="+mn-lt"/>
+                <a:ea typeface="+mn-ea"/>
+                <a:cs typeface="+mn-cs"/>
+              </a:defRPr>
+            </a:lvl5pPr>
+            <a:lvl6pPr marL="2514600" indent="-228600" algn="l" defTabSz="914400" rtl="0" eaLnBrk="1" latinLnBrk="0" hangingPunct="1">
+              <a:lnSpc>
+                <a:spcPct val="90000"/>
+              </a:lnSpc>
+              <a:spcBef>
+                <a:spcPts val="500"/>
+              </a:spcBef>
+              <a:buFont typeface="Arial" panose="020B0604020202020204" pitchFamily="34" charset="0"/>
+              <a:buChar char="•"/>
+              <a:defRPr sz="1800" kern="1200">
+                <a:solidFill>
+                  <a:schemeClr val="tx1"/>
+                </a:solidFill>
+                <a:latin typeface="+mn-lt"/>
+                <a:ea typeface="+mn-ea"/>
+                <a:cs typeface="+mn-cs"/>
+              </a:defRPr>
+            </a:lvl6pPr>
+            <a:lvl7pPr marL="2971800" indent="-228600" algn="l" defTabSz="914400" rtl="0" eaLnBrk="1" latinLnBrk="0" hangingPunct="1">
+              <a:lnSpc>
+                <a:spcPct val="90000"/>
+              </a:lnSpc>
+              <a:spcBef>
+                <a:spcPts val="500"/>
+              </a:spcBef>
+              <a:buFont typeface="Arial" panose="020B0604020202020204" pitchFamily="34" charset="0"/>
+              <a:buChar char="•"/>
+              <a:defRPr sz="1800" kern="1200">
+                <a:solidFill>
+                  <a:schemeClr val="tx1"/>
+                </a:solidFill>
+                <a:latin typeface="+mn-lt"/>
+                <a:ea typeface="+mn-ea"/>
+                <a:cs typeface="+mn-cs"/>
+              </a:defRPr>
+            </a:lvl7pPr>
+            <a:lvl8pPr marL="3429000" indent="-228600" algn="l" defTabSz="914400" rtl="0" eaLnBrk="1" latinLnBrk="0" hangingPunct="1">
+              <a:lnSpc>
+                <a:spcPct val="90000"/>
+              </a:lnSpc>
+              <a:spcBef>
+                <a:spcPts val="500"/>
+              </a:spcBef>
+              <a:buFont typeface="Arial" panose="020B0604020202020204" pitchFamily="34" charset="0"/>
+              <a:buChar char="•"/>
+              <a:defRPr sz="1800" kern="1200">
+                <a:solidFill>
+                  <a:schemeClr val="tx1"/>
+                </a:solidFill>
+                <a:latin typeface="+mn-lt"/>
+                <a:ea typeface="+mn-ea"/>
+                <a:cs typeface="+mn-cs"/>
+              </a:defRPr>
+            </a:lvl8pPr>
+            <a:lvl9pPr marL="3886200" indent="-228600" algn="l" defTabSz="914400" rtl="0" eaLnBrk="1" latinLnBrk="0" hangingPunct="1">
+              <a:lnSpc>
+                <a:spcPct val="90000"/>
+              </a:lnSpc>
+              <a:spcBef>
+                <a:spcPts val="500"/>
+              </a:spcBef>
+              <a:buFont typeface="Arial" panose="020B0604020202020204" pitchFamily="34" charset="0"/>
+              <a:buChar char="•"/>
+              <a:defRPr sz="1800" kern="1200">
+                <a:solidFill>
+                  <a:schemeClr val="tx1"/>
+                </a:solidFill>
+                <a:latin typeface="+mn-lt"/>
+                <a:ea typeface="+mn-ea"/>
+                <a:cs typeface="+mn-cs"/>
+              </a:defRPr>
+            </a:lvl9pPr>
+          </a:lstStyle>
+          <a:p>
+            <a:pPr marL="0" indent="0">
+              <a:buNone/>
+            </a:pPr>
+            <a:r>
+              <a:rPr lang="en-GB" sz="4400" dirty="0"/>
+              <a:t>Subclass everything</a:t>
+            </a:r>
+          </a:p>
+        </p:txBody>
+      </p:sp>
+      <p:pic>
+        <p:nvPicPr>
+          <p:cNvPr id="1034" name="Picture 10">
+            <a:extLst>
+              <a:ext uri="{FF2B5EF4-FFF2-40B4-BE49-F238E27FC236}">
+                <a16:creationId xmlns:a16="http://schemas.microsoft.com/office/drawing/2014/main" id="{8CB05713-72FA-46C4-B8C4-35798857063D}"/>
+              </a:ext>
+            </a:extLst>
+          </p:cNvPr>
+          <p:cNvPicPr>
+            <a:picLocks noChangeAspect="1" noChangeArrowheads="1"/>
+          </p:cNvPicPr>
+          <p:nvPr/>
+        </p:nvPicPr>
+        <p:blipFill rotWithShape="1">
+          <a:blip r:embed="rId2">
+            <a:extLst>
+              <a:ext uri="{28A0092B-C50C-407E-A947-70E740481C1C}">
+                <a14:useLocalDpi xmlns:a14="http://schemas.microsoft.com/office/drawing/2010/main" val="0"/>
+              </a:ext>
+            </a:extLst>
+          </a:blip>
+          <a:srcRect l="58414" t="29808" r="1681" b="30048"/>
+          <a:stretch/>
+        </p:blipFill>
+        <p:spPr bwMode="auto">
+          <a:xfrm>
+            <a:off x="10563623" y="1814065"/>
+            <a:ext cx="721659" cy="726005"/>
+          </a:xfrm>
+          <a:prstGeom prst="rect">
+            <a:avLst/>
+          </a:prstGeom>
+          <a:noFill/>
+          <a:extLst>
+            <a:ext uri="{909E8E84-426E-40DD-AFC4-6F175D3DCCD1}">
+              <a14:hiddenFill xmlns:a14="http://schemas.microsoft.com/office/drawing/2010/main">
+                <a:solidFill>
+                  <a:srgbClr val="FFFFFF"/>
+                </a:solidFill>
+              </a14:hiddenFill>
+            </a:ext>
+          </a:extLst>
+        </p:spPr>
+      </p:pic>
+      <p:pic>
+        <p:nvPicPr>
+          <p:cNvPr id="7" name="Billede 6">
+            <a:extLst>
+              <a:ext uri="{FF2B5EF4-FFF2-40B4-BE49-F238E27FC236}">
+                <a16:creationId xmlns:a16="http://schemas.microsoft.com/office/drawing/2014/main" id="{16CE4599-80E8-490C-B6C8-273759EE4FFA}"/>
+              </a:ext>
+              <a:ext uri="{C183D7F6-B498-43B3-948B-1728B52AA6E4}">
+                <adec:decorative xmlns:adec="http://schemas.microsoft.com/office/drawing/2017/decorative" val="0"/>
+              </a:ext>
+            </a:extLst>
+          </p:cNvPr>
+          <p:cNvPicPr>
+            <a:picLocks noChangeAspect="1"/>
+          </p:cNvPicPr>
+          <p:nvPr/>
+        </p:nvPicPr>
+        <p:blipFill>
+          <a:blip r:embed="rId3"/>
+          <a:stretch>
+            <a:fillRect/>
+          </a:stretch>
+        </p:blipFill>
+        <p:spPr>
+          <a:xfrm>
+            <a:off x="683285" y="1690688"/>
+            <a:ext cx="5024230" cy="4260280"/>
+          </a:xfrm>
+          <a:prstGeom prst="rect">
+            <a:avLst/>
+          </a:prstGeom>
+        </p:spPr>
+      </p:pic>
+      <p:sp>
+        <p:nvSpPr>
+          <p:cNvPr id="8" name="Tekstfelt 7">
+            <a:extLst>
+              <a:ext uri="{FF2B5EF4-FFF2-40B4-BE49-F238E27FC236}">
+                <a16:creationId xmlns:a16="http://schemas.microsoft.com/office/drawing/2014/main" id="{8E3FAFCF-2AB6-4B85-A7EE-6CCCC8F978A0}"/>
+              </a:ext>
+            </a:extLst>
+          </p:cNvPr>
+          <p:cNvSpPr txBox="1"/>
+          <p:nvPr/>
+        </p:nvSpPr>
+        <p:spPr>
+          <a:xfrm>
+            <a:off x="838200" y="5950968"/>
+            <a:ext cx="4607859" cy="215444"/>
+          </a:xfrm>
+          <a:prstGeom prst="rect">
+            <a:avLst/>
+          </a:prstGeom>
+          <a:noFill/>
+        </p:spPr>
+        <p:txBody>
+          <a:bodyPr wrap="square" rtlCol="0">
+            <a:spAutoFit/>
+          </a:bodyPr>
+          <a:lstStyle/>
+          <a:p>
+            <a:r>
+              <a:rPr lang="da-DK" sz="800" dirty="0"/>
+              <a:t>* Head First, Design Patterns – Eric Freeman and Elisabeth Freeman with Kathy Sierra and Bert Bates</a:t>
+            </a:r>
+            <a:endParaRPr lang="LID4096" sz="800" dirty="0"/>
+          </a:p>
+        </p:txBody>
+      </p:sp>
+      <p:sp>
+        <p:nvSpPr>
+          <p:cNvPr id="3" name="Tekstfelt 2">
+            <a:extLst>
+              <a:ext uri="{FF2B5EF4-FFF2-40B4-BE49-F238E27FC236}">
+                <a16:creationId xmlns:a16="http://schemas.microsoft.com/office/drawing/2014/main" id="{8A635F7E-9AA3-4B14-B505-C1FB918093D2}"/>
+              </a:ext>
+            </a:extLst>
+          </p:cNvPr>
+          <p:cNvSpPr txBox="1"/>
+          <p:nvPr/>
+        </p:nvSpPr>
+        <p:spPr>
+          <a:xfrm>
+            <a:off x="5862430" y="3067050"/>
+            <a:ext cx="3468835" cy="1754326"/>
+          </a:xfrm>
+          <a:prstGeom prst="rect">
+            <a:avLst/>
+          </a:prstGeom>
+          <a:noFill/>
+        </p:spPr>
+        <p:txBody>
+          <a:bodyPr wrap="none" rtlCol="0">
+            <a:spAutoFit/>
+          </a:bodyPr>
+          <a:lstStyle/>
+          <a:p>
+            <a:r>
+              <a:rPr lang="da-DK" dirty="0"/>
+              <a:t>class </a:t>
+            </a:r>
+            <a:r>
+              <a:rPr lang="da-DK" dirty="0" err="1"/>
+              <a:t>DarkRoastWithMilkAndSugar</a:t>
+            </a:r>
+            <a:r>
+              <a:rPr lang="da-DK" dirty="0"/>
+              <a:t>{</a:t>
+            </a:r>
+          </a:p>
+          <a:p>
+            <a:r>
+              <a:rPr lang="da-DK" dirty="0"/>
+              <a:t>    return </a:t>
+            </a:r>
+            <a:r>
+              <a:rPr lang="da-DK" dirty="0" err="1"/>
+              <a:t>GetDescribtion</a:t>
+            </a:r>
+            <a:r>
+              <a:rPr lang="da-DK" dirty="0"/>
+              <a:t>;</a:t>
+            </a:r>
+          </a:p>
+          <a:p>
+            <a:r>
+              <a:rPr lang="da-DK" dirty="0"/>
+              <a:t>}</a:t>
+            </a:r>
+          </a:p>
+          <a:p>
+            <a:r>
+              <a:rPr lang="da-DK" dirty="0"/>
+              <a:t>class </a:t>
+            </a:r>
+            <a:r>
+              <a:rPr lang="da-DK" dirty="0" err="1"/>
+              <a:t>EspressoWithSugar</a:t>
+            </a:r>
+            <a:r>
+              <a:rPr lang="da-DK" dirty="0"/>
+              <a:t>{</a:t>
+            </a:r>
+          </a:p>
+          <a:p>
+            <a:r>
+              <a:rPr lang="da-DK" dirty="0"/>
+              <a:t>   return </a:t>
+            </a:r>
+            <a:r>
+              <a:rPr lang="da-DK" dirty="0" err="1"/>
+              <a:t>GetDescribtion</a:t>
+            </a:r>
+            <a:r>
+              <a:rPr lang="da-DK" dirty="0"/>
+              <a:t>;</a:t>
+            </a:r>
+          </a:p>
+          <a:p>
+            <a:r>
+              <a:rPr lang="da-DK" dirty="0"/>
+              <a:t>}</a:t>
+            </a:r>
+          </a:p>
+        </p:txBody>
+      </p:sp>
+    </p:spTree>
+    <p:extLst>
+      <p:ext uri="{BB962C8B-B14F-4D97-AF65-F5344CB8AC3E}">
+        <p14:creationId xmlns:p14="http://schemas.microsoft.com/office/powerpoint/2010/main" val="1572269914"/>
+      </p:ext>
+    </p:extLst>
+  </p:cSld>
+  <p:clrMapOvr>
+    <a:masterClrMapping/>
+  </p:clrMapOvr>
+</p:sld>
+</file>
+
+<file path=ppt/slides/slide3.xml><?xml version="1.0" encoding="utf-8"?>
+<p:sld xmlns:a="http://schemas.openxmlformats.org/drawingml/2006/main" xmlns:r="http://schemas.openxmlformats.org/officeDocument/2006/relationships" xmlns:p="http://schemas.openxmlformats.org/presentationml/2006/main">
+  <p:cSld>
+    <p:spTree>
+      <p:nvGrpSpPr>
+        <p:cNvPr id="1" name=""/>
+        <p:cNvGrpSpPr/>
+        <p:nvPr/>
+      </p:nvGrpSpPr>
+      <p:grpSpPr>
+        <a:xfrm>
+          <a:off x="0" y="0"/>
+          <a:ext cx="0" cy="0"/>
+          <a:chOff x="0" y="0"/>
+          <a:chExt cx="0" cy="0"/>
+        </a:xfrm>
+      </p:grpSpPr>
+      <p:sp>
+        <p:nvSpPr>
+          <p:cNvPr id="2" name="Titel 1">
+            <a:extLst>
+              <a:ext uri="{FF2B5EF4-FFF2-40B4-BE49-F238E27FC236}">
+                <a16:creationId xmlns:a16="http://schemas.microsoft.com/office/drawing/2014/main" id="{F1B62B02-E36B-49DB-9B15-44C73CDBBD03}"/>
+              </a:ext>
+            </a:extLst>
+          </p:cNvPr>
+          <p:cNvSpPr>
+            <a:spLocks noGrp="1"/>
+          </p:cNvSpPr>
+          <p:nvPr>
+            <p:ph type="title"/>
+          </p:nvPr>
+        </p:nvSpPr>
+        <p:spPr/>
+        <p:txBody>
+          <a:bodyPr/>
+          <a:lstStyle/>
+          <a:p>
+            <a:r>
+              <a:rPr lang="da-DK" b="1" dirty="0"/>
+              <a:t>The solution – with </a:t>
+            </a:r>
+            <a:r>
+              <a:rPr lang="da-DK" b="1" dirty="0" err="1"/>
+              <a:t>Decorator</a:t>
+            </a:r>
+            <a:endParaRPr lang="LID4096" b="1" dirty="0"/>
+          </a:p>
+        </p:txBody>
+      </p:sp>
+      <p:sp>
+        <p:nvSpPr>
+          <p:cNvPr id="3" name="Pladsholder til indhold 2">
+            <a:extLst>
+              <a:ext uri="{FF2B5EF4-FFF2-40B4-BE49-F238E27FC236}">
+                <a16:creationId xmlns:a16="http://schemas.microsoft.com/office/drawing/2014/main" id="{DA0204EE-140E-4DE3-86DC-F7C7A8E86EB5}"/>
+              </a:ext>
+            </a:extLst>
+          </p:cNvPr>
+          <p:cNvSpPr>
+            <a:spLocks noGrp="1"/>
+          </p:cNvSpPr>
+          <p:nvPr>
+            <p:ph idx="1"/>
+          </p:nvPr>
+        </p:nvSpPr>
+        <p:spPr>
+          <a:xfrm>
+            <a:off x="838200" y="5993672"/>
+            <a:ext cx="7143750" cy="760520"/>
+          </a:xfrm>
+        </p:spPr>
+        <p:txBody>
+          <a:bodyPr/>
+          <a:lstStyle/>
+          <a:p>
+            <a:r>
+              <a:rPr lang="da-DK" dirty="0"/>
+              <a:t>Saves </a:t>
+            </a:r>
+            <a:r>
+              <a:rPr lang="da-DK" dirty="0" err="1"/>
+              <a:t>you</a:t>
+            </a:r>
+            <a:r>
+              <a:rPr lang="da-DK" dirty="0"/>
+              <a:t> from </a:t>
+            </a:r>
+            <a:r>
+              <a:rPr lang="da-DK" dirty="0" err="1"/>
+              <a:t>writing</a:t>
+            </a:r>
+            <a:r>
+              <a:rPr lang="da-DK" dirty="0"/>
+              <a:t> a </a:t>
+            </a:r>
+            <a:r>
+              <a:rPr lang="da-DK" dirty="0" err="1"/>
+              <a:t>lot</a:t>
+            </a:r>
+            <a:r>
+              <a:rPr lang="da-DK" dirty="0"/>
+              <a:t> of </a:t>
+            </a:r>
+            <a:r>
+              <a:rPr lang="da-DK" dirty="0" err="1"/>
+              <a:t>code</a:t>
+            </a:r>
+            <a:endParaRPr lang="da-DK" dirty="0"/>
+          </a:p>
+        </p:txBody>
+      </p:sp>
+      <p:pic>
+        <p:nvPicPr>
+          <p:cNvPr id="4" name="Billede 3">
+            <a:extLst>
+              <a:ext uri="{FF2B5EF4-FFF2-40B4-BE49-F238E27FC236}">
+                <a16:creationId xmlns:a16="http://schemas.microsoft.com/office/drawing/2014/main" id="{49BF3B5B-FAD6-43F8-9989-9C8A907F3D5E}"/>
+              </a:ext>
+            </a:extLst>
+          </p:cNvPr>
+          <p:cNvPicPr/>
+          <p:nvPr/>
+        </p:nvPicPr>
+        <p:blipFill>
+          <a:blip r:embed="rId2">
+            <a:extLst>
+              <a:ext uri="{28A0092B-C50C-407E-A947-70E740481C1C}">
+                <a14:useLocalDpi xmlns:a14="http://schemas.microsoft.com/office/drawing/2010/main" val="0"/>
+              </a:ext>
+            </a:extLst>
+          </a:blip>
+          <a:stretch>
+            <a:fillRect/>
+          </a:stretch>
+        </p:blipFill>
+        <p:spPr>
+          <a:xfrm>
+            <a:off x="7247965" y="1917700"/>
+            <a:ext cx="3810000" cy="3022600"/>
+          </a:xfrm>
+          <a:prstGeom prst="rect">
+            <a:avLst/>
+          </a:prstGeom>
+        </p:spPr>
+      </p:pic>
+      <p:sp>
+        <p:nvSpPr>
+          <p:cNvPr id="5" name="Pladsholder til indhold 2">
+            <a:extLst>
+              <a:ext uri="{FF2B5EF4-FFF2-40B4-BE49-F238E27FC236}">
+                <a16:creationId xmlns:a16="http://schemas.microsoft.com/office/drawing/2014/main" id="{66BC6FE3-E4A1-45A6-A628-40D51A31D7C9}"/>
+              </a:ext>
+            </a:extLst>
+          </p:cNvPr>
+          <p:cNvSpPr txBox="1">
+            <a:spLocks/>
+          </p:cNvSpPr>
+          <p:nvPr/>
+        </p:nvSpPr>
+        <p:spPr>
+          <a:xfrm>
+            <a:off x="838200" y="1690688"/>
             <a:ext cx="5024230" cy="660099"/>
           </a:xfrm>
           <a:prstGeom prst="rect">
@@ -3744,259 +4328,12 @@
           </a:p>
         </p:txBody>
       </p:sp>
-      <p:sp>
-        <p:nvSpPr>
-          <p:cNvPr id="9" name="Pladsholder til indhold 2">
-            <a:extLst>
-              <a:ext uri="{FF2B5EF4-FFF2-40B4-BE49-F238E27FC236}">
-                <a16:creationId xmlns:a16="http://schemas.microsoft.com/office/drawing/2014/main" id="{83CED092-1D46-41CC-92FD-648DC5C8EC82}"/>
-              </a:ext>
-            </a:extLst>
-          </p:cNvPr>
-          <p:cNvSpPr txBox="1">
-            <a:spLocks/>
-          </p:cNvSpPr>
-          <p:nvPr/>
-        </p:nvSpPr>
-        <p:spPr>
-          <a:xfrm>
-            <a:off x="5862430" y="1986336"/>
-            <a:ext cx="4701193" cy="660099"/>
-          </a:xfrm>
-          <a:prstGeom prst="rect">
-            <a:avLst/>
-          </a:prstGeom>
-        </p:spPr>
-        <p:txBody>
-          <a:bodyPr vert="horz" lIns="91440" tIns="45720" rIns="91440" bIns="45720" rtlCol="0">
-            <a:normAutofit lnSpcReduction="10000"/>
-          </a:bodyPr>
-          <a:lstStyle>
-            <a:lvl1pPr marL="228600" indent="-228600" algn="l" defTabSz="914400" rtl="0" eaLnBrk="1" latinLnBrk="0" hangingPunct="1">
-              <a:lnSpc>
-                <a:spcPct val="90000"/>
-              </a:lnSpc>
-              <a:spcBef>
-                <a:spcPts val="1000"/>
-              </a:spcBef>
-              <a:buFont typeface="Arial" panose="020B0604020202020204" pitchFamily="34" charset="0"/>
-              <a:buChar char="•"/>
-              <a:defRPr sz="2800" kern="1200">
-                <a:solidFill>
-                  <a:schemeClr val="tx1"/>
-                </a:solidFill>
-                <a:latin typeface="+mn-lt"/>
-                <a:ea typeface="+mn-ea"/>
-                <a:cs typeface="+mn-cs"/>
-              </a:defRPr>
-            </a:lvl1pPr>
-            <a:lvl2pPr marL="685800" indent="-228600" algn="l" defTabSz="914400" rtl="0" eaLnBrk="1" latinLnBrk="0" hangingPunct="1">
-              <a:lnSpc>
-                <a:spcPct val="90000"/>
-              </a:lnSpc>
-              <a:spcBef>
-                <a:spcPts val="500"/>
-              </a:spcBef>
-              <a:buFont typeface="Arial" panose="020B0604020202020204" pitchFamily="34" charset="0"/>
-              <a:buChar char="•"/>
-              <a:defRPr sz="2400" kern="1200">
-                <a:solidFill>
-                  <a:schemeClr val="tx1"/>
-                </a:solidFill>
-                <a:latin typeface="+mn-lt"/>
-                <a:ea typeface="+mn-ea"/>
-                <a:cs typeface="+mn-cs"/>
-              </a:defRPr>
-            </a:lvl2pPr>
-            <a:lvl3pPr marL="1143000" indent="-228600" algn="l" defTabSz="914400" rtl="0" eaLnBrk="1" latinLnBrk="0" hangingPunct="1">
-              <a:lnSpc>
-                <a:spcPct val="90000"/>
-              </a:lnSpc>
-              <a:spcBef>
-                <a:spcPts val="500"/>
-              </a:spcBef>
-              <a:buFont typeface="Arial" panose="020B0604020202020204" pitchFamily="34" charset="0"/>
-              <a:buChar char="•"/>
-              <a:defRPr sz="2000" kern="1200">
-                <a:solidFill>
-                  <a:schemeClr val="tx1"/>
-                </a:solidFill>
-                <a:latin typeface="+mn-lt"/>
-                <a:ea typeface="+mn-ea"/>
-                <a:cs typeface="+mn-cs"/>
-              </a:defRPr>
-            </a:lvl3pPr>
-            <a:lvl4pPr marL="1600200" indent="-228600" algn="l" defTabSz="914400" rtl="0" eaLnBrk="1" latinLnBrk="0" hangingPunct="1">
-              <a:lnSpc>
-                <a:spcPct val="90000"/>
-              </a:lnSpc>
-              <a:spcBef>
-                <a:spcPts val="500"/>
-              </a:spcBef>
-              <a:buFont typeface="Arial" panose="020B0604020202020204" pitchFamily="34" charset="0"/>
-              <a:buChar char="•"/>
-              <a:defRPr sz="1800" kern="1200">
-                <a:solidFill>
-                  <a:schemeClr val="tx1"/>
-                </a:solidFill>
-                <a:latin typeface="+mn-lt"/>
-                <a:ea typeface="+mn-ea"/>
-                <a:cs typeface="+mn-cs"/>
-              </a:defRPr>
-            </a:lvl4pPr>
-            <a:lvl5pPr marL="2057400" indent="-228600" algn="l" defTabSz="914400" rtl="0" eaLnBrk="1" latinLnBrk="0" hangingPunct="1">
-              <a:lnSpc>
-                <a:spcPct val="90000"/>
-              </a:lnSpc>
-              <a:spcBef>
-                <a:spcPts val="500"/>
-              </a:spcBef>
-              <a:buFont typeface="Arial" panose="020B0604020202020204" pitchFamily="34" charset="0"/>
-              <a:buChar char="•"/>
-              <a:defRPr sz="1800" kern="1200">
-                <a:solidFill>
-                  <a:schemeClr val="tx1"/>
-                </a:solidFill>
-                <a:latin typeface="+mn-lt"/>
-                <a:ea typeface="+mn-ea"/>
-                <a:cs typeface="+mn-cs"/>
-              </a:defRPr>
-            </a:lvl5pPr>
-            <a:lvl6pPr marL="2514600" indent="-228600" algn="l" defTabSz="914400" rtl="0" eaLnBrk="1" latinLnBrk="0" hangingPunct="1">
-              <a:lnSpc>
-                <a:spcPct val="90000"/>
-              </a:lnSpc>
-              <a:spcBef>
-                <a:spcPts val="500"/>
-              </a:spcBef>
-              <a:buFont typeface="Arial" panose="020B0604020202020204" pitchFamily="34" charset="0"/>
-              <a:buChar char="•"/>
-              <a:defRPr sz="1800" kern="1200">
-                <a:solidFill>
-                  <a:schemeClr val="tx1"/>
-                </a:solidFill>
-                <a:latin typeface="+mn-lt"/>
-                <a:ea typeface="+mn-ea"/>
-                <a:cs typeface="+mn-cs"/>
-              </a:defRPr>
-            </a:lvl6pPr>
-            <a:lvl7pPr marL="2971800" indent="-228600" algn="l" defTabSz="914400" rtl="0" eaLnBrk="1" latinLnBrk="0" hangingPunct="1">
-              <a:lnSpc>
-                <a:spcPct val="90000"/>
-              </a:lnSpc>
-              <a:spcBef>
-                <a:spcPts val="500"/>
-              </a:spcBef>
-              <a:buFont typeface="Arial" panose="020B0604020202020204" pitchFamily="34" charset="0"/>
-              <a:buChar char="•"/>
-              <a:defRPr sz="1800" kern="1200">
-                <a:solidFill>
-                  <a:schemeClr val="tx1"/>
-                </a:solidFill>
-                <a:latin typeface="+mn-lt"/>
-                <a:ea typeface="+mn-ea"/>
-                <a:cs typeface="+mn-cs"/>
-              </a:defRPr>
-            </a:lvl7pPr>
-            <a:lvl8pPr marL="3429000" indent="-228600" algn="l" defTabSz="914400" rtl="0" eaLnBrk="1" latinLnBrk="0" hangingPunct="1">
-              <a:lnSpc>
-                <a:spcPct val="90000"/>
-              </a:lnSpc>
-              <a:spcBef>
-                <a:spcPts val="500"/>
-              </a:spcBef>
-              <a:buFont typeface="Arial" panose="020B0604020202020204" pitchFamily="34" charset="0"/>
-              <a:buChar char="•"/>
-              <a:defRPr sz="1800" kern="1200">
-                <a:solidFill>
-                  <a:schemeClr val="tx1"/>
-                </a:solidFill>
-                <a:latin typeface="+mn-lt"/>
-                <a:ea typeface="+mn-ea"/>
-                <a:cs typeface="+mn-cs"/>
-              </a:defRPr>
-            </a:lvl8pPr>
-            <a:lvl9pPr marL="3886200" indent="-228600" algn="l" defTabSz="914400" rtl="0" eaLnBrk="1" latinLnBrk="0" hangingPunct="1">
-              <a:lnSpc>
-                <a:spcPct val="90000"/>
-              </a:lnSpc>
-              <a:spcBef>
-                <a:spcPts val="500"/>
-              </a:spcBef>
-              <a:buFont typeface="Arial" panose="020B0604020202020204" pitchFamily="34" charset="0"/>
-              <a:buChar char="•"/>
-              <a:defRPr sz="1800" kern="1200">
-                <a:solidFill>
-                  <a:schemeClr val="tx1"/>
-                </a:solidFill>
-                <a:latin typeface="+mn-lt"/>
-                <a:ea typeface="+mn-ea"/>
-                <a:cs typeface="+mn-cs"/>
-              </a:defRPr>
-            </a:lvl9pPr>
-          </a:lstStyle>
-          <a:p>
-            <a:pPr marL="0" indent="0">
-              <a:buNone/>
-            </a:pPr>
-            <a:r>
-              <a:rPr lang="en-GB" sz="4400" dirty="0"/>
-              <a:t>Subclass everything</a:t>
-            </a:r>
-          </a:p>
-        </p:txBody>
-      </p:sp>
       <p:pic>
         <p:nvPicPr>
-          <p:cNvPr id="1034" name="Picture 10">
-            <a:extLst>
-              <a:ext uri="{FF2B5EF4-FFF2-40B4-BE49-F238E27FC236}">
-                <a16:creationId xmlns:a16="http://schemas.microsoft.com/office/drawing/2014/main" id="{8CB05713-72FA-46C4-B8C4-35798857063D}"/>
-              </a:ext>
-            </a:extLst>
-          </p:cNvPr>
-          <p:cNvPicPr>
-            <a:picLocks noChangeAspect="1" noChangeArrowheads="1"/>
-          </p:cNvPicPr>
-          <p:nvPr/>
-        </p:nvPicPr>
-        <p:blipFill rotWithShape="1">
-          <a:blip r:embed="rId2">
-            <a:extLst>
-              <a:ext uri="{28A0092B-C50C-407E-A947-70E740481C1C}">
-                <a14:useLocalDpi xmlns:a14="http://schemas.microsoft.com/office/drawing/2010/main" val="0"/>
-              </a:ext>
-            </a:extLst>
-          </a:blip>
-          <a:srcRect l="58414" t="29808" r="1681" b="30048"/>
-          <a:stretch/>
-        </p:blipFill>
-        <p:spPr bwMode="auto">
-          <a:xfrm>
-            <a:off x="10563623" y="1814065"/>
-            <a:ext cx="721659" cy="726005"/>
-          </a:xfrm>
-          <a:prstGeom prst="rect">
-            <a:avLst/>
-          </a:prstGeom>
-          <a:noFill/>
-          <a:extLst>
-            <a:ext uri="{909E8E84-426E-40DD-AFC4-6F175D3DCCD1}">
-              <a14:hiddenFill xmlns:a14="http://schemas.microsoft.com/office/drawing/2010/main">
-                <a:solidFill>
-                  <a:srgbClr val="FFFFFF"/>
-                </a:solidFill>
-              </a14:hiddenFill>
-            </a:ext>
-          </a:extLst>
-        </p:spPr>
-      </p:pic>
-      <p:pic>
-        <p:nvPicPr>
-          <p:cNvPr id="1028" name="Picture 4">
-            <a:extLst>
-              <a:ext uri="{FF2B5EF4-FFF2-40B4-BE49-F238E27FC236}">
-                <a16:creationId xmlns:a16="http://schemas.microsoft.com/office/drawing/2014/main" id="{D304664F-796C-4373-A264-0AF7D7E37E64}"/>
+          <p:cNvPr id="6" name="Picture 4">
+            <a:extLst>
+              <a:ext uri="{FF2B5EF4-FFF2-40B4-BE49-F238E27FC236}">
+                <a16:creationId xmlns:a16="http://schemas.microsoft.com/office/drawing/2014/main" id="{AC98E258-1F39-40B9-8CE8-0BDC64ACEF85}"/>
               </a:ext>
             </a:extLst>
           </p:cNvPr>
@@ -4020,7 +4357,7 @@
         </p:blipFill>
         <p:spPr bwMode="auto">
           <a:xfrm>
-            <a:off x="10886660" y="2763868"/>
+            <a:off x="5862430" y="1590267"/>
             <a:ext cx="760520" cy="760520"/>
           </a:xfrm>
           <a:prstGeom prst="rect">
@@ -4038,55 +4375,22 @@
           </a:extLst>
         </p:spPr>
       </p:pic>
-      <p:pic>
-        <p:nvPicPr>
-          <p:cNvPr id="7" name="Billede 6">
-            <a:extLst>
-              <a:ext uri="{FF2B5EF4-FFF2-40B4-BE49-F238E27FC236}">
-                <a16:creationId xmlns:a16="http://schemas.microsoft.com/office/drawing/2014/main" id="{16CE4599-80E8-490C-B6C8-273759EE4FFA}"/>
-              </a:ext>
-              <a:ext uri="{C183D7F6-B498-43B3-948B-1728B52AA6E4}">
-                <adec:decorative xmlns:adec="http://schemas.microsoft.com/office/drawing/2017/decorative" val="0"/>
-              </a:ext>
-            </a:extLst>
-          </p:cNvPr>
-          <p:cNvPicPr>
-            <a:picLocks noChangeAspect="1"/>
-          </p:cNvPicPr>
+      <p:sp>
+        <p:nvSpPr>
+          <p:cNvPr id="8" name="Tekstfelt 7">
+            <a:extLst>
+              <a:ext uri="{FF2B5EF4-FFF2-40B4-BE49-F238E27FC236}">
+                <a16:creationId xmlns:a16="http://schemas.microsoft.com/office/drawing/2014/main" id="{135F0930-E1AD-4A7A-B0AA-B0832689E96B}"/>
+              </a:ext>
+            </a:extLst>
+          </p:cNvPr>
+          <p:cNvSpPr txBox="1"/>
           <p:nvPr/>
-        </p:nvPicPr>
-        <p:blipFill>
-          <a:blip r:embed="rId4"/>
-          <a:stretch>
-            <a:fillRect/>
-          </a:stretch>
-        </p:blipFill>
+        </p:nvSpPr>
         <p:spPr>
           <a:xfrm>
-            <a:off x="683285" y="1690688"/>
-            <a:ext cx="5024230" cy="4260280"/>
-          </a:xfrm>
-          <a:prstGeom prst="rect">
-            <a:avLst/>
-          </a:prstGeom>
-        </p:spPr>
-      </p:pic>
-      <p:sp>
-        <p:nvSpPr>
-          <p:cNvPr id="8" name="Tekstfelt 7">
-            <a:extLst>
-              <a:ext uri="{FF2B5EF4-FFF2-40B4-BE49-F238E27FC236}">
-                <a16:creationId xmlns:a16="http://schemas.microsoft.com/office/drawing/2014/main" id="{8E3FAFCF-2AB6-4B85-A7EE-6CCCC8F978A0}"/>
-              </a:ext>
-            </a:extLst>
-          </p:cNvPr>
-          <p:cNvSpPr txBox="1"/>
-          <p:nvPr/>
-        </p:nvSpPr>
-        <p:spPr>
-          <a:xfrm>
-            <a:off x="838200" y="5950968"/>
-            <a:ext cx="4607859" cy="215444"/>
+            <a:off x="838200" y="2350787"/>
+            <a:ext cx="7719293" cy="3970318"/>
           </a:xfrm>
           <a:prstGeom prst="rect">
             <a:avLst/>
@@ -4094,141 +4398,251 @@
           <a:noFill/>
         </p:spPr>
         <p:txBody>
-          <a:bodyPr wrap="square" rtlCol="0">
+          <a:bodyPr wrap="none" rtlCol="0">
             <a:spAutoFit/>
           </a:bodyPr>
           <a:lstStyle/>
           <a:p>
             <a:r>
-              <a:rPr lang="da-DK" sz="800" dirty="0"/>
-              <a:t>* Head First, Design Patterns – Eric Freeman and Elisabeth Freeman with Kathy Sierra and Bert Bates</a:t>
-            </a:r>
-            <a:endParaRPr lang="LID4096" sz="800" dirty="0"/>
-          </a:p>
-        </p:txBody>
-      </p:sp>
-    </p:spTree>
-    <p:extLst>
-      <p:ext uri="{BB962C8B-B14F-4D97-AF65-F5344CB8AC3E}">
-        <p14:creationId xmlns:p14="http://schemas.microsoft.com/office/powerpoint/2010/main" val="1572269914"/>
-      </p:ext>
-    </p:extLst>
-  </p:cSld>
-  <p:clrMapOvr>
-    <a:masterClrMapping/>
-  </p:clrMapOvr>
-</p:sld>
-</file>
-
-<file path=ppt/slides/slide3.xml><?xml version="1.0" encoding="utf-8"?>
-<p:sld xmlns:a="http://schemas.openxmlformats.org/drawingml/2006/main" xmlns:r="http://schemas.openxmlformats.org/officeDocument/2006/relationships" xmlns:p="http://schemas.openxmlformats.org/presentationml/2006/main">
-  <p:cSld>
-    <p:spTree>
-      <p:nvGrpSpPr>
-        <p:cNvPr id="1" name=""/>
-        <p:cNvGrpSpPr/>
-        <p:nvPr/>
-      </p:nvGrpSpPr>
-      <p:grpSpPr>
-        <a:xfrm>
-          <a:off x="0" y="0"/>
-          <a:ext cx="0" cy="0"/>
-          <a:chOff x="0" y="0"/>
-          <a:chExt cx="0" cy="0"/>
-        </a:xfrm>
-      </p:grpSpPr>
-      <p:sp>
-        <p:nvSpPr>
-          <p:cNvPr id="2" name="Titel 1">
-            <a:extLst>
-              <a:ext uri="{FF2B5EF4-FFF2-40B4-BE49-F238E27FC236}">
-                <a16:creationId xmlns:a16="http://schemas.microsoft.com/office/drawing/2014/main" id="{F1B62B02-E36B-49DB-9B15-44C73CDBBD03}"/>
-              </a:ext>
-            </a:extLst>
-          </p:cNvPr>
-          <p:cNvSpPr>
-            <a:spLocks noGrp="1"/>
-          </p:cNvSpPr>
-          <p:nvPr>
-            <p:ph type="title"/>
-          </p:nvPr>
-        </p:nvSpPr>
-        <p:spPr/>
-        <p:txBody>
-          <a:bodyPr/>
-          <a:lstStyle/>
-          <a:p>
-            <a:r>
-              <a:rPr lang="da-DK" b="1" dirty="0"/>
-              <a:t>The solution – with </a:t>
-            </a:r>
-            <a:r>
-              <a:rPr lang="da-DK" b="1" dirty="0" err="1"/>
-              <a:t>Decorator</a:t>
-            </a:r>
-            <a:endParaRPr lang="LID4096" b="1" dirty="0"/>
-          </a:p>
-        </p:txBody>
-      </p:sp>
-      <p:sp>
-        <p:nvSpPr>
-          <p:cNvPr id="3" name="Pladsholder til indhold 2">
-            <a:extLst>
-              <a:ext uri="{FF2B5EF4-FFF2-40B4-BE49-F238E27FC236}">
-                <a16:creationId xmlns:a16="http://schemas.microsoft.com/office/drawing/2014/main" id="{DA0204EE-140E-4DE3-86DC-F7C7A8E86EB5}"/>
-              </a:ext>
-            </a:extLst>
-          </p:cNvPr>
-          <p:cNvSpPr>
-            <a:spLocks noGrp="1"/>
-          </p:cNvSpPr>
-          <p:nvPr>
-            <p:ph idx="1"/>
-          </p:nvPr>
-        </p:nvSpPr>
-        <p:spPr/>
-        <p:txBody>
-          <a:bodyPr/>
-          <a:lstStyle/>
-          <a:p>
-            <a:endParaRPr lang="LID4096" dirty="0"/>
-          </a:p>
-        </p:txBody>
-      </p:sp>
-      <p:pic>
-        <p:nvPicPr>
-          <p:cNvPr id="4" name="Billede 3">
-            <a:extLst>
-              <a:ext uri="{FF2B5EF4-FFF2-40B4-BE49-F238E27FC236}">
-                <a16:creationId xmlns:a16="http://schemas.microsoft.com/office/drawing/2014/main" id="{49BF3B5B-FAD6-43F8-9989-9C8A907F3D5E}"/>
-              </a:ext>
-            </a:extLst>
-          </p:cNvPr>
-          <p:cNvPicPr/>
-          <p:nvPr/>
-        </p:nvPicPr>
-        <p:blipFill>
-          <a:blip r:embed="rId2">
-            <a:extLst>
-              <a:ext uri="{28A0092B-C50C-407E-A947-70E740481C1C}">
-                <a14:useLocalDpi xmlns:a14="http://schemas.microsoft.com/office/drawing/2010/main" val="0"/>
-              </a:ext>
-            </a:extLst>
-          </a:blip>
-          <a:stretch>
-            <a:fillRect/>
-          </a:stretch>
-        </p:blipFill>
-        <p:spPr>
-          <a:xfrm>
-            <a:off x="7247965" y="1917700"/>
-            <a:ext cx="3810000" cy="3022600"/>
-          </a:xfrm>
-          <a:prstGeom prst="rect">
-            <a:avLst/>
-          </a:prstGeom>
-        </p:spPr>
-      </p:pic>
+              <a:rPr lang="da-DK" dirty="0"/>
+              <a:t>class </a:t>
+            </a:r>
+            <a:r>
+              <a:rPr lang="da-DK" dirty="0" err="1"/>
+              <a:t>DarkRoast</a:t>
+            </a:r>
+            <a:r>
+              <a:rPr lang="da-DK" dirty="0"/>
+              <a:t>{</a:t>
+            </a:r>
+          </a:p>
+          <a:p>
+            <a:r>
+              <a:rPr lang="da-DK" dirty="0"/>
+              <a:t>    </a:t>
+            </a:r>
+            <a:r>
+              <a:rPr lang="da-DK" dirty="0" err="1"/>
+              <a:t>GetDescribtion</a:t>
+            </a:r>
+            <a:r>
+              <a:rPr lang="da-DK" dirty="0"/>
+              <a:t>() =&gt; ”Dark </a:t>
+            </a:r>
+            <a:r>
+              <a:rPr lang="da-DK" dirty="0" err="1"/>
+              <a:t>Roast</a:t>
+            </a:r>
+            <a:r>
+              <a:rPr lang="da-DK" dirty="0"/>
+              <a:t>”;</a:t>
+            </a:r>
+          </a:p>
+          <a:p>
+            <a:r>
+              <a:rPr lang="da-DK" dirty="0"/>
+              <a:t>}</a:t>
+            </a:r>
+          </a:p>
+          <a:p>
+            <a:r>
+              <a:rPr lang="da-DK" dirty="0"/>
+              <a:t>class Milk : </a:t>
+            </a:r>
+            <a:r>
+              <a:rPr lang="da-DK" dirty="0" err="1"/>
+              <a:t>DarkRoast</a:t>
+            </a:r>
+            <a:r>
+              <a:rPr lang="da-DK" dirty="0"/>
+              <a:t>{</a:t>
+            </a:r>
+          </a:p>
+          <a:p>
+            <a:r>
+              <a:rPr lang="da-DK" dirty="0"/>
+              <a:t>    </a:t>
+            </a:r>
+            <a:r>
+              <a:rPr lang="da-DK" dirty="0" err="1"/>
+              <a:t>GetDescribtion</a:t>
+            </a:r>
+            <a:r>
+              <a:rPr lang="da-DK" dirty="0"/>
+              <a:t>() =&gt; base. </a:t>
+            </a:r>
+            <a:r>
+              <a:rPr lang="da-DK" dirty="0" err="1"/>
+              <a:t>GetDescribtion</a:t>
+            </a:r>
+            <a:r>
+              <a:rPr lang="da-DK" dirty="0"/>
+              <a:t>() + ” with </a:t>
+            </a:r>
+            <a:r>
+              <a:rPr lang="da-DK" dirty="0" err="1"/>
+              <a:t>milk</a:t>
+            </a:r>
+            <a:r>
+              <a:rPr lang="da-DK" dirty="0"/>
+              <a:t>;</a:t>
+            </a:r>
+          </a:p>
+          <a:p>
+            <a:r>
+              <a:rPr lang="da-DK" dirty="0"/>
+              <a:t>}</a:t>
+            </a:r>
+          </a:p>
+          <a:p>
+            <a:r>
+              <a:rPr lang="da-DK" dirty="0"/>
+              <a:t>class </a:t>
+            </a:r>
+            <a:r>
+              <a:rPr lang="da-DK" dirty="0" err="1"/>
+              <a:t>Sugar</a:t>
+            </a:r>
+            <a:r>
+              <a:rPr lang="da-DK" dirty="0"/>
+              <a:t> : </a:t>
+            </a:r>
+            <a:r>
+              <a:rPr lang="da-DK" dirty="0" err="1"/>
+              <a:t>DarkRoast</a:t>
+            </a:r>
+            <a:r>
+              <a:rPr lang="da-DK" dirty="0"/>
+              <a:t>{</a:t>
+            </a:r>
+          </a:p>
+          <a:p>
+            <a:r>
+              <a:rPr lang="da-DK" dirty="0"/>
+              <a:t>    </a:t>
+            </a:r>
+            <a:r>
+              <a:rPr lang="da-DK" dirty="0" err="1"/>
+              <a:t>GetDescribtion</a:t>
+            </a:r>
+            <a:r>
+              <a:rPr lang="da-DK" dirty="0"/>
+              <a:t>() =&gt; base. </a:t>
+            </a:r>
+            <a:r>
+              <a:rPr lang="da-DK" dirty="0" err="1"/>
+              <a:t>GetDescribtion</a:t>
+            </a:r>
+            <a:r>
+              <a:rPr lang="da-DK" dirty="0"/>
+              <a:t>() + ” with </a:t>
+            </a:r>
+            <a:r>
+              <a:rPr lang="da-DK" dirty="0" err="1"/>
+              <a:t>sugar</a:t>
+            </a:r>
+            <a:r>
+              <a:rPr lang="da-DK" dirty="0"/>
+              <a:t>”;</a:t>
+            </a:r>
+          </a:p>
+          <a:p>
+            <a:r>
+              <a:rPr lang="da-DK" dirty="0"/>
+              <a:t>}</a:t>
+            </a:r>
+          </a:p>
+          <a:p>
+            <a:endParaRPr lang="da-DK" dirty="0"/>
+          </a:p>
+          <a:p>
+            <a:r>
+              <a:rPr lang="da-DK" dirty="0" err="1"/>
+              <a:t>Sugar</a:t>
+            </a:r>
+            <a:r>
+              <a:rPr lang="da-DK" dirty="0"/>
+              <a:t>. </a:t>
+            </a:r>
+            <a:r>
+              <a:rPr lang="da-DK" dirty="0" err="1"/>
+              <a:t>GetDescribtion</a:t>
+            </a:r>
+            <a:r>
+              <a:rPr lang="da-DK" dirty="0"/>
+              <a:t>(Milk. </a:t>
+            </a:r>
+            <a:r>
+              <a:rPr lang="da-DK" dirty="0" err="1"/>
+              <a:t>GetDescribtion</a:t>
+            </a:r>
+            <a:r>
+              <a:rPr lang="da-DK" dirty="0"/>
+              <a:t> ())</a:t>
+            </a:r>
+          </a:p>
+          <a:p>
+            <a:r>
+              <a:rPr lang="da-DK" dirty="0"/>
+              <a:t>= ”Dark </a:t>
+            </a:r>
+            <a:r>
+              <a:rPr lang="da-DK" dirty="0" err="1"/>
+              <a:t>Roast</a:t>
+            </a:r>
+            <a:r>
+              <a:rPr lang="da-DK" dirty="0"/>
+              <a:t>” + ” with </a:t>
+            </a:r>
+            <a:r>
+              <a:rPr lang="da-DK" dirty="0" err="1"/>
+              <a:t>milk</a:t>
+            </a:r>
+            <a:r>
+              <a:rPr lang="da-DK" dirty="0"/>
+              <a:t>” + ” with </a:t>
+            </a:r>
+            <a:r>
+              <a:rPr lang="da-DK" dirty="0" err="1"/>
+              <a:t>sugar</a:t>
+            </a:r>
+            <a:r>
+              <a:rPr lang="da-DK" dirty="0"/>
+              <a:t>” = ”Dark </a:t>
+            </a:r>
+            <a:r>
+              <a:rPr lang="da-DK" dirty="0" err="1"/>
+              <a:t>Roast</a:t>
+            </a:r>
+            <a:r>
+              <a:rPr lang="da-DK" dirty="0"/>
+              <a:t> with </a:t>
+            </a:r>
+            <a:r>
+              <a:rPr lang="da-DK" dirty="0" err="1"/>
+              <a:t>milk</a:t>
+            </a:r>
+            <a:r>
+              <a:rPr lang="da-DK" dirty="0"/>
+              <a:t> with </a:t>
+            </a:r>
+            <a:r>
+              <a:rPr lang="da-DK" dirty="0" err="1"/>
+              <a:t>sugar</a:t>
+            </a:r>
+            <a:r>
+              <a:rPr lang="da-DK" dirty="0"/>
+              <a:t>”</a:t>
+            </a:r>
+          </a:p>
+          <a:p>
+            <a:endParaRPr lang="da-DK" dirty="0"/>
+          </a:p>
+          <a:p>
+            <a:endParaRPr lang="da-DK" dirty="0"/>
+          </a:p>
+        </p:txBody>
+      </p:sp>
     </p:spTree>
     <p:extLst>
       <p:ext uri="{BB962C8B-B14F-4D97-AF65-F5344CB8AC3E}">
@@ -4919,7 +5333,7 @@
           <a:graphicData uri="http://schemas.openxmlformats.org/presentationml/2006/ole">
             <mc:AlternateContent xmlns:mc="http://schemas.openxmlformats.org/markup-compatibility/2006">
               <mc:Choice xmlns:v="urn:schemas-microsoft-com:vml" Requires="v">
-                <p:oleObj spid="_x0000_s2069" name="Document" r:id="rId3" imgW="5734061" imgH="3079433" progId="Word.OpenDocumentText.12">
+                <p:oleObj spid="_x0000_s2075" name="Document" r:id="rId3" imgW="5734061" imgH="3079433" progId="Word.OpenDocumentText.12">
                   <p:embed/>
                 </p:oleObj>
               </mc:Choice>
@@ -5063,7 +5477,7 @@
           <a:graphicData uri="http://schemas.openxmlformats.org/presentationml/2006/ole">
             <mc:AlternateContent xmlns:mc="http://schemas.openxmlformats.org/markup-compatibility/2006">
               <mc:Choice xmlns:v="urn:schemas-microsoft-com:vml" Requires="v">
-                <p:oleObj spid="_x0000_s2070" name="Document" r:id="rId5" imgW="5731560" imgH="3220920" progId="Word.OpenDocumentText.12">
+                <p:oleObj spid="_x0000_s2076" name="Document" r:id="rId5" imgW="5731560" imgH="3220920" progId="Word.OpenDocumentText.12">
                   <p:embed/>
                 </p:oleObj>
               </mc:Choice>

--- a/Slides/The Decorator pattern.pptx
+++ b/Slides/The Decorator pattern.pptx
@@ -3451,7 +3451,7 @@
             </a:br>
             <a:r>
               <a:rPr lang="da-DK" dirty="0"/>
-              <a:t>Asger Breinholm, Mathias Brændgaard and Rob </a:t>
+              <a:t>Asger Breinholm, Mathias Brændgaard and Robin </a:t>
             </a:r>
             <a:r>
               <a:rPr lang="da-DK" dirty="0" err="1"/>
@@ -4760,6 +4760,24 @@
               <a:t>Less memory usage</a:t>
             </a:r>
           </a:p>
+          <a:p>
+            <a:r>
+              <a:rPr lang="en-GB" dirty="0"/>
+              <a:t>Add at run time</a:t>
+            </a:r>
+          </a:p>
+          <a:p>
+            <a:r>
+              <a:rPr lang="en-GB" dirty="0"/>
+              <a:t>Any number </a:t>
+            </a:r>
+          </a:p>
+          <a:p>
+            <a:r>
+              <a:rPr lang="en-GB" dirty="0"/>
+              <a:t>Any order</a:t>
+            </a:r>
+          </a:p>
         </p:txBody>
       </p:sp>
       <p:sp>
@@ -4778,8 +4796,8 @@
         </p:nvSpPr>
         <p:spPr>
           <a:xfrm>
-            <a:off x="6096000" y="1690688"/>
-            <a:ext cx="4195482" cy="4351338"/>
+            <a:off x="6095999" y="1690688"/>
+            <a:ext cx="4411579" cy="4351338"/>
           </a:xfrm>
           <a:prstGeom prst="rect">
             <a:avLst/>
@@ -4983,6 +5001,12 @@
               <a:t>More unnecessary code</a:t>
             </a:r>
           </a:p>
+          <a:p>
+            <a:r>
+              <a:rPr lang="en-GB" dirty="0"/>
+              <a:t>Can impact execution time</a:t>
+            </a:r>
+          </a:p>
         </p:txBody>
       </p:sp>
     </p:spTree>
@@ -5333,7 +5357,7 @@
           <a:graphicData uri="http://schemas.openxmlformats.org/presentationml/2006/ole">
             <mc:AlternateContent xmlns:mc="http://schemas.openxmlformats.org/markup-compatibility/2006">
               <mc:Choice xmlns:v="urn:schemas-microsoft-com:vml" Requires="v">
-                <p:oleObj spid="_x0000_s2075" name="Document" r:id="rId3" imgW="5734061" imgH="3079433" progId="Word.OpenDocumentText.12">
+                <p:oleObj spid="_x0000_s2077" name="Document" r:id="rId3" imgW="5734061" imgH="3079433" progId="Word.OpenDocumentText.12">
                   <p:embed/>
                 </p:oleObj>
               </mc:Choice>
@@ -5477,7 +5501,7 @@
           <a:graphicData uri="http://schemas.openxmlformats.org/presentationml/2006/ole">
             <mc:AlternateContent xmlns:mc="http://schemas.openxmlformats.org/markup-compatibility/2006">
               <mc:Choice xmlns:v="urn:schemas-microsoft-com:vml" Requires="v">
-                <p:oleObj spid="_x0000_s2076" name="Document" r:id="rId5" imgW="5731560" imgH="3220920" progId="Word.OpenDocumentText.12">
+                <p:oleObj spid="_x0000_s2078" name="Document" r:id="rId5" imgW="5731560" imgH="3220920" progId="Word.OpenDocumentText.12">
                   <p:embed/>
                 </p:oleObj>
               </mc:Choice>
@@ -5649,10 +5673,10 @@
       </p:sp>
       <p:sp>
         <p:nvSpPr>
-          <p:cNvPr id="3" name="Pladsholder til indhold 2">
-            <a:extLst>
-              <a:ext uri="{FF2B5EF4-FFF2-40B4-BE49-F238E27FC236}">
-                <a16:creationId xmlns:a16="http://schemas.microsoft.com/office/drawing/2014/main" id="{63D216B8-5AD1-47C9-8D17-78406F848BA7}"/>
+          <p:cNvPr id="4" name="Pladsholder til indhold 2">
+            <a:extLst>
+              <a:ext uri="{FF2B5EF4-FFF2-40B4-BE49-F238E27FC236}">
+                <a16:creationId xmlns:a16="http://schemas.microsoft.com/office/drawing/2014/main" id="{DC27AB8B-FD54-4452-8F92-B4C154BB90F4}"/>
               </a:ext>
             </a:extLst>
           </p:cNvPr>
@@ -5663,15 +5687,327 @@
             <p:ph idx="1"/>
           </p:nvPr>
         </p:nvSpPr>
-        <p:spPr/>
-        <p:txBody>
-          <a:bodyPr/>
-          <a:lstStyle/>
-          <a:p>
+        <p:spPr>
+          <a:xfrm>
+            <a:off x="386080" y="1611230"/>
+            <a:ext cx="1366520" cy="419735"/>
+          </a:xfrm>
+        </p:spPr>
+        <p:txBody>
+          <a:bodyPr>
+            <a:normAutofit fontScale="92500" lnSpcReduction="10000"/>
+          </a:bodyPr>
+          <a:lstStyle/>
+          <a:p>
+            <a:pPr marL="0" indent="0">
+              <a:buNone/>
+            </a:pPr>
+            <a:r>
+              <a:rPr lang="fr-FR" dirty="0"/>
+              <a:t>Adaptor</a:t>
+            </a:r>
             <a:endParaRPr lang="LID4096" dirty="0"/>
           </a:p>
         </p:txBody>
       </p:sp>
+      <p:sp>
+        <p:nvSpPr>
+          <p:cNvPr id="5" name="Pladsholder til indhold 2">
+            <a:extLst>
+              <a:ext uri="{FF2B5EF4-FFF2-40B4-BE49-F238E27FC236}">
+                <a16:creationId xmlns:a16="http://schemas.microsoft.com/office/drawing/2014/main" id="{76D9BBC2-B6D4-44BD-9A62-F9ADE94A8F3A}"/>
+              </a:ext>
+            </a:extLst>
+          </p:cNvPr>
+          <p:cNvSpPr txBox="1">
+            <a:spLocks/>
+          </p:cNvSpPr>
+          <p:nvPr/>
+        </p:nvSpPr>
+        <p:spPr>
+          <a:xfrm>
+            <a:off x="6428433" y="1480820"/>
+            <a:ext cx="1366520" cy="419735"/>
+          </a:xfrm>
+          <a:prstGeom prst="rect">
+            <a:avLst/>
+          </a:prstGeom>
+        </p:spPr>
+        <p:txBody>
+          <a:bodyPr vert="horz" lIns="91440" tIns="45720" rIns="91440" bIns="45720" rtlCol="0">
+            <a:normAutofit fontScale="92500" lnSpcReduction="10000"/>
+          </a:bodyPr>
+          <a:lstStyle>
+            <a:lvl1pPr marL="228600" indent="-228600" algn="l" defTabSz="914400" rtl="0" eaLnBrk="1" latinLnBrk="0" hangingPunct="1">
+              <a:lnSpc>
+                <a:spcPct val="90000"/>
+              </a:lnSpc>
+              <a:spcBef>
+                <a:spcPts val="1000"/>
+              </a:spcBef>
+              <a:buFont typeface="Arial" panose="020B0604020202020204" pitchFamily="34" charset="0"/>
+              <a:buChar char="•"/>
+              <a:defRPr sz="2800" kern="1200">
+                <a:solidFill>
+                  <a:schemeClr val="tx1"/>
+                </a:solidFill>
+                <a:latin typeface="+mn-lt"/>
+                <a:ea typeface="+mn-ea"/>
+                <a:cs typeface="+mn-cs"/>
+              </a:defRPr>
+            </a:lvl1pPr>
+            <a:lvl2pPr marL="685800" indent="-228600" algn="l" defTabSz="914400" rtl="0" eaLnBrk="1" latinLnBrk="0" hangingPunct="1">
+              <a:lnSpc>
+                <a:spcPct val="90000"/>
+              </a:lnSpc>
+              <a:spcBef>
+                <a:spcPts val="500"/>
+              </a:spcBef>
+              <a:buFont typeface="Arial" panose="020B0604020202020204" pitchFamily="34" charset="0"/>
+              <a:buChar char="•"/>
+              <a:defRPr sz="2400" kern="1200">
+                <a:solidFill>
+                  <a:schemeClr val="tx1"/>
+                </a:solidFill>
+                <a:latin typeface="+mn-lt"/>
+                <a:ea typeface="+mn-ea"/>
+                <a:cs typeface="+mn-cs"/>
+              </a:defRPr>
+            </a:lvl2pPr>
+            <a:lvl3pPr marL="1143000" indent="-228600" algn="l" defTabSz="914400" rtl="0" eaLnBrk="1" latinLnBrk="0" hangingPunct="1">
+              <a:lnSpc>
+                <a:spcPct val="90000"/>
+              </a:lnSpc>
+              <a:spcBef>
+                <a:spcPts val="500"/>
+              </a:spcBef>
+              <a:buFont typeface="Arial" panose="020B0604020202020204" pitchFamily="34" charset="0"/>
+              <a:buChar char="•"/>
+              <a:defRPr sz="2000" kern="1200">
+                <a:solidFill>
+                  <a:schemeClr val="tx1"/>
+                </a:solidFill>
+                <a:latin typeface="+mn-lt"/>
+                <a:ea typeface="+mn-ea"/>
+                <a:cs typeface="+mn-cs"/>
+              </a:defRPr>
+            </a:lvl3pPr>
+            <a:lvl4pPr marL="1600200" indent="-228600" algn="l" defTabSz="914400" rtl="0" eaLnBrk="1" latinLnBrk="0" hangingPunct="1">
+              <a:lnSpc>
+                <a:spcPct val="90000"/>
+              </a:lnSpc>
+              <a:spcBef>
+                <a:spcPts val="500"/>
+              </a:spcBef>
+              <a:buFont typeface="Arial" panose="020B0604020202020204" pitchFamily="34" charset="0"/>
+              <a:buChar char="•"/>
+              <a:defRPr sz="1800" kern="1200">
+                <a:solidFill>
+                  <a:schemeClr val="tx1"/>
+                </a:solidFill>
+                <a:latin typeface="+mn-lt"/>
+                <a:ea typeface="+mn-ea"/>
+                <a:cs typeface="+mn-cs"/>
+              </a:defRPr>
+            </a:lvl4pPr>
+            <a:lvl5pPr marL="2057400" indent="-228600" algn="l" defTabSz="914400" rtl="0" eaLnBrk="1" latinLnBrk="0" hangingPunct="1">
+              <a:lnSpc>
+                <a:spcPct val="90000"/>
+              </a:lnSpc>
+              <a:spcBef>
+                <a:spcPts val="500"/>
+              </a:spcBef>
+              <a:buFont typeface="Arial" panose="020B0604020202020204" pitchFamily="34" charset="0"/>
+              <a:buChar char="•"/>
+              <a:defRPr sz="1800" kern="1200">
+                <a:solidFill>
+                  <a:schemeClr val="tx1"/>
+                </a:solidFill>
+                <a:latin typeface="+mn-lt"/>
+                <a:ea typeface="+mn-ea"/>
+                <a:cs typeface="+mn-cs"/>
+              </a:defRPr>
+            </a:lvl5pPr>
+            <a:lvl6pPr marL="2514600" indent="-228600" algn="l" defTabSz="914400" rtl="0" eaLnBrk="1" latinLnBrk="0" hangingPunct="1">
+              <a:lnSpc>
+                <a:spcPct val="90000"/>
+              </a:lnSpc>
+              <a:spcBef>
+                <a:spcPts val="500"/>
+              </a:spcBef>
+              <a:buFont typeface="Arial" panose="020B0604020202020204" pitchFamily="34" charset="0"/>
+              <a:buChar char="•"/>
+              <a:defRPr sz="1800" kern="1200">
+                <a:solidFill>
+                  <a:schemeClr val="tx1"/>
+                </a:solidFill>
+                <a:latin typeface="+mn-lt"/>
+                <a:ea typeface="+mn-ea"/>
+                <a:cs typeface="+mn-cs"/>
+              </a:defRPr>
+            </a:lvl6pPr>
+            <a:lvl7pPr marL="2971800" indent="-228600" algn="l" defTabSz="914400" rtl="0" eaLnBrk="1" latinLnBrk="0" hangingPunct="1">
+              <a:lnSpc>
+                <a:spcPct val="90000"/>
+              </a:lnSpc>
+              <a:spcBef>
+                <a:spcPts val="500"/>
+              </a:spcBef>
+              <a:buFont typeface="Arial" panose="020B0604020202020204" pitchFamily="34" charset="0"/>
+              <a:buChar char="•"/>
+              <a:defRPr sz="1800" kern="1200">
+                <a:solidFill>
+                  <a:schemeClr val="tx1"/>
+                </a:solidFill>
+                <a:latin typeface="+mn-lt"/>
+                <a:ea typeface="+mn-ea"/>
+                <a:cs typeface="+mn-cs"/>
+              </a:defRPr>
+            </a:lvl7pPr>
+            <a:lvl8pPr marL="3429000" indent="-228600" algn="l" defTabSz="914400" rtl="0" eaLnBrk="1" latinLnBrk="0" hangingPunct="1">
+              <a:lnSpc>
+                <a:spcPct val="90000"/>
+              </a:lnSpc>
+              <a:spcBef>
+                <a:spcPts val="500"/>
+              </a:spcBef>
+              <a:buFont typeface="Arial" panose="020B0604020202020204" pitchFamily="34" charset="0"/>
+              <a:buChar char="•"/>
+              <a:defRPr sz="1800" kern="1200">
+                <a:solidFill>
+                  <a:schemeClr val="tx1"/>
+                </a:solidFill>
+                <a:latin typeface="+mn-lt"/>
+                <a:ea typeface="+mn-ea"/>
+                <a:cs typeface="+mn-cs"/>
+              </a:defRPr>
+            </a:lvl8pPr>
+            <a:lvl9pPr marL="3886200" indent="-228600" algn="l" defTabSz="914400" rtl="0" eaLnBrk="1" latinLnBrk="0" hangingPunct="1">
+              <a:lnSpc>
+                <a:spcPct val="90000"/>
+              </a:lnSpc>
+              <a:spcBef>
+                <a:spcPts val="500"/>
+              </a:spcBef>
+              <a:buFont typeface="Arial" panose="020B0604020202020204" pitchFamily="34" charset="0"/>
+              <a:buChar char="•"/>
+              <a:defRPr sz="1800" kern="1200">
+                <a:solidFill>
+                  <a:schemeClr val="tx1"/>
+                </a:solidFill>
+                <a:latin typeface="+mn-lt"/>
+                <a:ea typeface="+mn-ea"/>
+                <a:cs typeface="+mn-cs"/>
+              </a:defRPr>
+            </a:lvl9pPr>
+          </a:lstStyle>
+          <a:p>
+            <a:pPr marL="0" indent="0">
+              <a:buFont typeface="Arial" panose="020B0604020202020204" pitchFamily="34" charset="0"/>
+              <a:buNone/>
+            </a:pPr>
+            <a:r>
+              <a:rPr lang="fr-FR" dirty="0"/>
+              <a:t>Strategy</a:t>
+            </a:r>
+            <a:endParaRPr lang="LID4096" dirty="0"/>
+          </a:p>
+        </p:txBody>
+      </p:sp>
+      <p:pic>
+        <p:nvPicPr>
+          <p:cNvPr id="6" name="Picture 2">
+            <a:extLst>
+              <a:ext uri="{FF2B5EF4-FFF2-40B4-BE49-F238E27FC236}">
+                <a16:creationId xmlns:a16="http://schemas.microsoft.com/office/drawing/2014/main" id="{EF5F60AF-6AB5-46E5-8A05-DE143141E708}"/>
+              </a:ext>
+            </a:extLst>
+          </p:cNvPr>
+          <p:cNvPicPr>
+            <a:picLocks noChangeAspect="1" noChangeArrowheads="1"/>
+          </p:cNvPicPr>
+          <p:nvPr/>
+        </p:nvPicPr>
+        <p:blipFill>
+          <a:blip r:embed="rId2">
+            <a:extLst>
+              <a:ext uri="{28A0092B-C50C-407E-A947-70E740481C1C}">
+                <a14:useLocalDpi xmlns:a14="http://schemas.microsoft.com/office/drawing/2010/main" val="0"/>
+              </a:ext>
+            </a:extLst>
+          </a:blip>
+          <a:srcRect/>
+          <a:stretch>
+            <a:fillRect/>
+          </a:stretch>
+        </p:blipFill>
+        <p:spPr bwMode="auto">
+          <a:xfrm>
+            <a:off x="6428433" y="2135765"/>
+            <a:ext cx="5530141" cy="2041899"/>
+          </a:xfrm>
+          <a:prstGeom prst="rect">
+            <a:avLst/>
+          </a:prstGeom>
+          <a:noFill/>
+          <a:extLst>
+            <a:ext uri="{909E8E84-426E-40DD-AFC4-6F175D3DCCD1}">
+              <a14:hiddenFill xmlns:a14="http://schemas.microsoft.com/office/drawing/2010/main">
+                <a:solidFill>
+                  <a:srgbClr val="FFFFFF"/>
+                </a:solidFill>
+              </a14:hiddenFill>
+            </a:ext>
+          </a:extLst>
+        </p:spPr>
+      </p:pic>
+      <p:pic>
+        <p:nvPicPr>
+          <p:cNvPr id="7" name="Picture 6">
+            <a:extLst>
+              <a:ext uri="{FF2B5EF4-FFF2-40B4-BE49-F238E27FC236}">
+                <a16:creationId xmlns:a16="http://schemas.microsoft.com/office/drawing/2014/main" id="{0BF7BCF6-3489-46E0-A1C0-065BFA7B471A}"/>
+              </a:ext>
+            </a:extLst>
+          </p:cNvPr>
+          <p:cNvPicPr>
+            <a:picLocks noChangeAspect="1" noChangeArrowheads="1"/>
+          </p:cNvPicPr>
+          <p:nvPr/>
+        </p:nvPicPr>
+        <p:blipFill>
+          <a:blip r:embed="rId3">
+            <a:extLst>
+              <a:ext uri="{28A0092B-C50C-407E-A947-70E740481C1C}">
+                <a14:useLocalDpi xmlns:a14="http://schemas.microsoft.com/office/drawing/2010/main" val="0"/>
+              </a:ext>
+            </a:extLst>
+          </a:blip>
+          <a:srcRect/>
+          <a:stretch>
+            <a:fillRect/>
+          </a:stretch>
+        </p:blipFill>
+        <p:spPr bwMode="auto">
+          <a:xfrm>
+            <a:off x="386080" y="2161373"/>
+            <a:ext cx="5377489" cy="2016559"/>
+          </a:xfrm>
+          <a:prstGeom prst="rect">
+            <a:avLst/>
+          </a:prstGeom>
+          <a:noFill/>
+          <a:extLst>
+            <a:ext uri="{909E8E84-426E-40DD-AFC4-6F175D3DCCD1}">
+              <a14:hiddenFill xmlns:a14="http://schemas.microsoft.com/office/drawing/2010/main">
+                <a:solidFill>
+                  <a:srgbClr val="FFFFFF"/>
+                </a:solidFill>
+              </a14:hiddenFill>
+            </a:ext>
+          </a:extLst>
+        </p:spPr>
+      </p:pic>
     </p:spTree>
     <p:extLst>
       <p:ext uri="{BB962C8B-B14F-4D97-AF65-F5344CB8AC3E}">

--- a/Slides/The Decorator pattern.pptx
+++ b/Slides/The Decorator pattern.pptx
@@ -335,7 +335,7 @@
           <a:p>
             <a:fld id="{6F717BCA-B3A5-4C01-B669-45EF93D0D31E}" type="slidenum">
               <a:rPr lang="LID4096" smtClean="0"/>
-              <a:t>‹nr.›</a:t>
+              <a:t>‹N°›</a:t>
             </a:fld>
             <a:endParaRPr lang="LID4096"/>
           </a:p>
@@ -535,7 +535,7 @@
           <a:p>
             <a:fld id="{6F717BCA-B3A5-4C01-B669-45EF93D0D31E}" type="slidenum">
               <a:rPr lang="LID4096" smtClean="0"/>
-              <a:t>‹nr.›</a:t>
+              <a:t>‹N°›</a:t>
             </a:fld>
             <a:endParaRPr lang="LID4096"/>
           </a:p>
@@ -745,7 +745,7 @@
           <a:p>
             <a:fld id="{6F717BCA-B3A5-4C01-B669-45EF93D0D31E}" type="slidenum">
               <a:rPr lang="LID4096" smtClean="0"/>
-              <a:t>‹nr.›</a:t>
+              <a:t>‹N°›</a:t>
             </a:fld>
             <a:endParaRPr lang="LID4096"/>
           </a:p>
@@ -945,7 +945,7 @@
           <a:p>
             <a:fld id="{6F717BCA-B3A5-4C01-B669-45EF93D0D31E}" type="slidenum">
               <a:rPr lang="LID4096" smtClean="0"/>
-              <a:t>‹nr.›</a:t>
+              <a:t>‹N°›</a:t>
             </a:fld>
             <a:endParaRPr lang="LID4096"/>
           </a:p>
@@ -1221,7 +1221,7 @@
           <a:p>
             <a:fld id="{6F717BCA-B3A5-4C01-B669-45EF93D0D31E}" type="slidenum">
               <a:rPr lang="LID4096" smtClean="0"/>
-              <a:t>‹nr.›</a:t>
+              <a:t>‹N°›</a:t>
             </a:fld>
             <a:endParaRPr lang="LID4096"/>
           </a:p>
@@ -1489,7 +1489,7 @@
           <a:p>
             <a:fld id="{6F717BCA-B3A5-4C01-B669-45EF93D0D31E}" type="slidenum">
               <a:rPr lang="LID4096" smtClean="0"/>
-              <a:t>‹nr.›</a:t>
+              <a:t>‹N°›</a:t>
             </a:fld>
             <a:endParaRPr lang="LID4096"/>
           </a:p>
@@ -1904,7 +1904,7 @@
           <a:p>
             <a:fld id="{6F717BCA-B3A5-4C01-B669-45EF93D0D31E}" type="slidenum">
               <a:rPr lang="LID4096" smtClean="0"/>
-              <a:t>‹nr.›</a:t>
+              <a:t>‹N°›</a:t>
             </a:fld>
             <a:endParaRPr lang="LID4096"/>
           </a:p>
@@ -2046,7 +2046,7 @@
           <a:p>
             <a:fld id="{6F717BCA-B3A5-4C01-B669-45EF93D0D31E}" type="slidenum">
               <a:rPr lang="LID4096" smtClean="0"/>
-              <a:t>‹nr.›</a:t>
+              <a:t>‹N°›</a:t>
             </a:fld>
             <a:endParaRPr lang="LID4096"/>
           </a:p>
@@ -2159,7 +2159,7 @@
           <a:p>
             <a:fld id="{6F717BCA-B3A5-4C01-B669-45EF93D0D31E}" type="slidenum">
               <a:rPr lang="LID4096" smtClean="0"/>
-              <a:t>‹nr.›</a:t>
+              <a:t>‹N°›</a:t>
             </a:fld>
             <a:endParaRPr lang="LID4096"/>
           </a:p>
@@ -2472,7 +2472,7 @@
           <a:p>
             <a:fld id="{6F717BCA-B3A5-4C01-B669-45EF93D0D31E}" type="slidenum">
               <a:rPr lang="LID4096" smtClean="0"/>
-              <a:t>‹nr.›</a:t>
+              <a:t>‹N°›</a:t>
             </a:fld>
             <a:endParaRPr lang="LID4096"/>
           </a:p>
@@ -2761,7 +2761,7 @@
           <a:p>
             <a:fld id="{6F717BCA-B3A5-4C01-B669-45EF93D0D31E}" type="slidenum">
               <a:rPr lang="LID4096" smtClean="0"/>
-              <a:t>‹nr.›</a:t>
+              <a:t>‹N°›</a:t>
             </a:fld>
             <a:endParaRPr lang="LID4096"/>
           </a:p>
@@ -3040,7 +3040,7 @@
           <a:p>
             <a:fld id="{6F717BCA-B3A5-4C01-B669-45EF93D0D31E}" type="slidenum">
               <a:rPr lang="LID4096" smtClean="0"/>
-              <a:t>‹nr.›</a:t>
+              <a:t>‹N°›</a:t>
             </a:fld>
             <a:endParaRPr lang="LID4096"/>
           </a:p>
@@ -4774,9 +4774,10 @@
           </a:p>
           <a:p>
             <a:r>
-              <a:rPr lang="en-GB" dirty="0"/>
-              <a:t>Any order</a:t>
-            </a:r>
+              <a:rPr lang="en-GB"/>
+              <a:t>Any order  </a:t>
+            </a:r>
+            <a:endParaRPr lang="en-GB" dirty="0"/>
           </a:p>
         </p:txBody>
       </p:sp>
@@ -5357,7 +5358,7 @@
           <a:graphicData uri="http://schemas.openxmlformats.org/presentationml/2006/ole">
             <mc:AlternateContent xmlns:mc="http://schemas.openxmlformats.org/markup-compatibility/2006">
               <mc:Choice xmlns:v="urn:schemas-microsoft-com:vml" Requires="v">
-                <p:oleObj spid="_x0000_s2077" name="Document" r:id="rId3" imgW="5734061" imgH="3079433" progId="Word.OpenDocumentText.12">
+                <p:oleObj spid="_x0000_s2079" name="Document" r:id="rId3" imgW="5734061" imgH="3079433" progId="Word.OpenDocumentText.12">
                   <p:embed/>
                 </p:oleObj>
               </mc:Choice>
@@ -5501,7 +5502,7 @@
           <a:graphicData uri="http://schemas.openxmlformats.org/presentationml/2006/ole">
             <mc:AlternateContent xmlns:mc="http://schemas.openxmlformats.org/markup-compatibility/2006">
               <mc:Choice xmlns:v="urn:schemas-microsoft-com:vml" Requires="v">
-                <p:oleObj spid="_x0000_s2078" name="Document" r:id="rId5" imgW="5731560" imgH="3220920" progId="Word.OpenDocumentText.12">
+                <p:oleObj spid="_x0000_s2080" name="Document" r:id="rId5" imgW="5731560" imgH="3220920" progId="Word.OpenDocumentText.12">
                   <p:embed/>
                 </p:oleObj>
               </mc:Choice>

--- a/Slides/The Decorator pattern.pptx
+++ b/Slides/The Decorator pattern.pptx
@@ -335,7 +335,7 @@
           <a:p>
             <a:fld id="{6F717BCA-B3A5-4C01-B669-45EF93D0D31E}" type="slidenum">
               <a:rPr lang="LID4096" smtClean="0"/>
-              <a:t>‹N°›</a:t>
+              <a:t>‹nr.›</a:t>
             </a:fld>
             <a:endParaRPr lang="LID4096"/>
           </a:p>
@@ -535,7 +535,7 @@
           <a:p>
             <a:fld id="{6F717BCA-B3A5-4C01-B669-45EF93D0D31E}" type="slidenum">
               <a:rPr lang="LID4096" smtClean="0"/>
-              <a:t>‹N°›</a:t>
+              <a:t>‹nr.›</a:t>
             </a:fld>
             <a:endParaRPr lang="LID4096"/>
           </a:p>
@@ -745,7 +745,7 @@
           <a:p>
             <a:fld id="{6F717BCA-B3A5-4C01-B669-45EF93D0D31E}" type="slidenum">
               <a:rPr lang="LID4096" smtClean="0"/>
-              <a:t>‹N°›</a:t>
+              <a:t>‹nr.›</a:t>
             </a:fld>
             <a:endParaRPr lang="LID4096"/>
           </a:p>
@@ -945,7 +945,7 @@
           <a:p>
             <a:fld id="{6F717BCA-B3A5-4C01-B669-45EF93D0D31E}" type="slidenum">
               <a:rPr lang="LID4096" smtClean="0"/>
-              <a:t>‹N°›</a:t>
+              <a:t>‹nr.›</a:t>
             </a:fld>
             <a:endParaRPr lang="LID4096"/>
           </a:p>
@@ -1221,7 +1221,7 @@
           <a:p>
             <a:fld id="{6F717BCA-B3A5-4C01-B669-45EF93D0D31E}" type="slidenum">
               <a:rPr lang="LID4096" smtClean="0"/>
-              <a:t>‹N°›</a:t>
+              <a:t>‹nr.›</a:t>
             </a:fld>
             <a:endParaRPr lang="LID4096"/>
           </a:p>
@@ -1489,7 +1489,7 @@
           <a:p>
             <a:fld id="{6F717BCA-B3A5-4C01-B669-45EF93D0D31E}" type="slidenum">
               <a:rPr lang="LID4096" smtClean="0"/>
-              <a:t>‹N°›</a:t>
+              <a:t>‹nr.›</a:t>
             </a:fld>
             <a:endParaRPr lang="LID4096"/>
           </a:p>
@@ -1904,7 +1904,7 @@
           <a:p>
             <a:fld id="{6F717BCA-B3A5-4C01-B669-45EF93D0D31E}" type="slidenum">
               <a:rPr lang="LID4096" smtClean="0"/>
-              <a:t>‹N°›</a:t>
+              <a:t>‹nr.›</a:t>
             </a:fld>
             <a:endParaRPr lang="LID4096"/>
           </a:p>
@@ -2046,7 +2046,7 @@
           <a:p>
             <a:fld id="{6F717BCA-B3A5-4C01-B669-45EF93D0D31E}" type="slidenum">
               <a:rPr lang="LID4096" smtClean="0"/>
-              <a:t>‹N°›</a:t>
+              <a:t>‹nr.›</a:t>
             </a:fld>
             <a:endParaRPr lang="LID4096"/>
           </a:p>
@@ -2159,7 +2159,7 @@
           <a:p>
             <a:fld id="{6F717BCA-B3A5-4C01-B669-45EF93D0D31E}" type="slidenum">
               <a:rPr lang="LID4096" smtClean="0"/>
-              <a:t>‹N°›</a:t>
+              <a:t>‹nr.›</a:t>
             </a:fld>
             <a:endParaRPr lang="LID4096"/>
           </a:p>
@@ -2472,7 +2472,7 @@
           <a:p>
             <a:fld id="{6F717BCA-B3A5-4C01-B669-45EF93D0D31E}" type="slidenum">
               <a:rPr lang="LID4096" smtClean="0"/>
-              <a:t>‹N°›</a:t>
+              <a:t>‹nr.›</a:t>
             </a:fld>
             <a:endParaRPr lang="LID4096"/>
           </a:p>
@@ -2761,7 +2761,7 @@
           <a:p>
             <a:fld id="{6F717BCA-B3A5-4C01-B669-45EF93D0D31E}" type="slidenum">
               <a:rPr lang="LID4096" smtClean="0"/>
-              <a:t>‹N°›</a:t>
+              <a:t>‹nr.›</a:t>
             </a:fld>
             <a:endParaRPr lang="LID4096"/>
           </a:p>
@@ -3040,7 +3040,7 @@
           <a:p>
             <a:fld id="{6F717BCA-B3A5-4C01-B669-45EF93D0D31E}" type="slidenum">
               <a:rPr lang="LID4096" smtClean="0"/>
-              <a:t>‹N°›</a:t>
+              <a:t>‹nr.›</a:t>
             </a:fld>
             <a:endParaRPr lang="LID4096"/>
           </a:p>
@@ -3885,7 +3885,7 @@
         <p:spPr>
           <a:xfrm>
             <a:off x="5862430" y="3067050"/>
-            <a:ext cx="3468835" cy="1754326"/>
+            <a:ext cx="3468835" cy="2031325"/>
           </a:xfrm>
           <a:prstGeom prst="rect">
             <a:avLst/>
@@ -3918,7 +3918,7 @@
             </a:r>
             <a:r>
               <a:rPr lang="da-DK" dirty="0" err="1"/>
-              <a:t>GetDescribtion</a:t>
+              <a:t>GetDescription</a:t>
             </a:r>
             <a:r>
               <a:rPr lang="da-DK" dirty="0"/>
@@ -3952,7 +3952,7 @@
             </a:r>
             <a:r>
               <a:rPr lang="da-DK" dirty="0" err="1"/>
-              <a:t>GetDescribtion</a:t>
+              <a:t>GetDescription</a:t>
             </a:r>
             <a:r>
               <a:rPr lang="da-DK" dirty="0"/>
@@ -3963,6 +3963,12 @@
             <a:r>
               <a:rPr lang="da-DK" dirty="0"/>
               <a:t>}</a:t>
+            </a:r>
+          </a:p>
+          <a:p>
+            <a:r>
+              <a:rPr lang="da-DK" dirty="0"/>
+              <a:t>Etc.</a:t>
             </a:r>
           </a:p>
         </p:txBody>
@@ -4390,7 +4396,7 @@
         <p:spPr>
           <a:xfrm>
             <a:off x="838200" y="2350787"/>
-            <a:ext cx="7719293" cy="3970318"/>
+            <a:ext cx="9175397" cy="3970318"/>
           </a:xfrm>
           <a:prstGeom prst="rect">
             <a:avLst/>
@@ -4413,6 +4419,14 @@
             </a:r>
             <a:r>
               <a:rPr lang="da-DK" dirty="0"/>
+              <a:t> : </a:t>
+            </a:r>
+            <a:r>
+              <a:rPr lang="da-DK" dirty="0" err="1"/>
+              <a:t>ICoffee</a:t>
+            </a:r>
+            <a:r>
+              <a:rPr lang="da-DK" dirty="0"/>
               <a:t>{</a:t>
             </a:r>
           </a:p>
@@ -4423,7 +4437,7 @@
             </a:r>
             <a:r>
               <a:rPr lang="da-DK" dirty="0" err="1"/>
-              <a:t>GetDescribtion</a:t>
+              <a:t>GetDescription</a:t>
             </a:r>
             <a:r>
               <a:rPr lang="da-DK" dirty="0"/>
@@ -4451,7 +4465,7 @@
             </a:r>
             <a:r>
               <a:rPr lang="da-DK" dirty="0" err="1"/>
-              <a:t>DarkRoast</a:t>
+              <a:t>Condiment</a:t>
             </a:r>
             <a:r>
               <a:rPr lang="da-DK" dirty="0"/>
@@ -4465,7 +4479,7 @@
             </a:r>
             <a:r>
               <a:rPr lang="da-DK" dirty="0" err="1"/>
-              <a:t>GetDescribtion</a:t>
+              <a:t>GetDescription</a:t>
             </a:r>
             <a:r>
               <a:rPr lang="da-DK" dirty="0"/>
@@ -4473,7 +4487,7 @@
             </a:r>
             <a:r>
               <a:rPr lang="da-DK" dirty="0" err="1"/>
-              <a:t>GetDescribtion</a:t>
+              <a:t>GetDescription</a:t>
             </a:r>
             <a:r>
               <a:rPr lang="da-DK" dirty="0"/>
@@ -4485,7 +4499,7 @@
             </a:r>
             <a:r>
               <a:rPr lang="da-DK" dirty="0"/>
-              <a:t>;</a:t>
+              <a:t>”;</a:t>
             </a:r>
           </a:p>
           <a:p>
@@ -4509,7 +4523,7 @@
             </a:r>
             <a:r>
               <a:rPr lang="da-DK" dirty="0" err="1"/>
-              <a:t>DarkRoast</a:t>
+              <a:t>Condiment</a:t>
             </a:r>
             <a:r>
               <a:rPr lang="da-DK" dirty="0"/>
@@ -4523,7 +4537,7 @@
             </a:r>
             <a:r>
               <a:rPr lang="da-DK" dirty="0" err="1"/>
-              <a:t>GetDescribtion</a:t>
+              <a:t>GetDescription</a:t>
             </a:r>
             <a:r>
               <a:rPr lang="da-DK" dirty="0"/>
@@ -4531,7 +4545,7 @@
             </a:r>
             <a:r>
               <a:rPr lang="da-DK" dirty="0" err="1"/>
-              <a:t>GetDescribtion</a:t>
+              <a:t>GetDescription</a:t>
             </a:r>
             <a:r>
               <a:rPr lang="da-DK" dirty="0"/>
@@ -4553,38 +4567,69 @@
             </a:r>
           </a:p>
           <a:p>
-            <a:endParaRPr lang="da-DK" dirty="0"/>
-          </a:p>
-          <a:p>
+            <a:r>
+              <a:rPr lang="da-DK" dirty="0" err="1"/>
+              <a:t>bev</a:t>
+            </a:r>
+            <a:r>
+              <a:rPr lang="da-DK" dirty="0"/>
+              <a:t> = new </a:t>
+            </a:r>
             <a:r>
               <a:rPr lang="da-DK" dirty="0" err="1"/>
               <a:t>Sugar</a:t>
             </a:r>
             <a:r>
               <a:rPr lang="da-DK" dirty="0"/>
+              <a:t>(new Milk(new </a:t>
+            </a:r>
+            <a:r>
+              <a:rPr lang="da-DK" dirty="0" err="1"/>
+              <a:t>DarkRoast</a:t>
+            </a:r>
+            <a:r>
+              <a:rPr lang="da-DK" dirty="0"/>
+              <a:t>)))</a:t>
+            </a:r>
+          </a:p>
+          <a:p>
+            <a:r>
+              <a:rPr lang="da-DK" dirty="0" err="1"/>
+              <a:t>bev</a:t>
+            </a:r>
+            <a:r>
+              <a:rPr lang="da-DK" dirty="0"/>
               <a:t>. </a:t>
             </a:r>
             <a:r>
               <a:rPr lang="da-DK" dirty="0" err="1"/>
-              <a:t>GetDescribtion</a:t>
+              <a:t>GetDescription</a:t>
             </a:r>
             <a:r>
               <a:rPr lang="da-DK" dirty="0"/>
-              <a:t>(Milk. </a:t>
+              <a:t>()</a:t>
+            </a:r>
+          </a:p>
+          <a:p>
+            <a:r>
+              <a:rPr lang="da-DK" dirty="0"/>
+              <a:t>This </a:t>
             </a:r>
             <a:r>
               <a:rPr lang="da-DK" dirty="0" err="1"/>
-              <a:t>GetDescribtion</a:t>
+              <a:t>then</a:t>
             </a:r>
             <a:r>
               <a:rPr lang="da-DK" dirty="0"/>
-              <a:t> ())</a:t>
-            </a:r>
-          </a:p>
-          <a:p>
+              <a:t> </a:t>
+            </a:r>
+            <a:r>
+              <a:rPr lang="da-DK" dirty="0" err="1"/>
+              <a:t>makes</a:t>
+            </a:r>
             <a:r>
               <a:rPr lang="da-DK" dirty="0"/>
-              <a:t>= ”Dark </a:t>
+              <a:t>  ”Dark </a:t>
             </a:r>
             <a:r>
               <a:rPr lang="da-DK" dirty="0" err="1"/>
@@ -4724,8 +4769,8 @@
         </p:nvSpPr>
         <p:spPr>
           <a:xfrm>
-            <a:off x="2187388" y="1690688"/>
-            <a:ext cx="3908612" cy="4351338"/>
+            <a:off x="2187389" y="2080046"/>
+            <a:ext cx="3908612" cy="3589235"/>
           </a:xfrm>
         </p:spPr>
         <p:txBody>
@@ -4751,13 +4796,7 @@
           <a:p>
             <a:r>
               <a:rPr lang="en-GB" dirty="0"/>
-              <a:t>Less subclasses</a:t>
-            </a:r>
-          </a:p>
-          <a:p>
-            <a:r>
-              <a:rPr lang="en-GB" dirty="0"/>
-              <a:t>Less memory usage</a:t>
+              <a:t>Fewer subclasses</a:t>
             </a:r>
           </a:p>
           <a:p>
@@ -4769,14 +4808,16 @@
           <a:p>
             <a:r>
               <a:rPr lang="en-GB" dirty="0"/>
-              <a:t>Any number </a:t>
-            </a:r>
-          </a:p>
-          <a:p>
-            <a:r>
-              <a:rPr lang="en-GB"/>
-              <a:t>Any order  </a:t>
-            </a:r>
+              <a:t>Any number</a:t>
+            </a:r>
+          </a:p>
+          <a:p>
+            <a:r>
+              <a:rPr lang="en-GB" dirty="0"/>
+              <a:t>Any order</a:t>
+            </a:r>
+          </a:p>
+          <a:p>
             <a:endParaRPr lang="en-GB" dirty="0"/>
           </a:p>
         </p:txBody>
@@ -4797,8 +4838,8 @@
         </p:nvSpPr>
         <p:spPr>
           <a:xfrm>
-            <a:off x="6095999" y="1690688"/>
-            <a:ext cx="4411579" cy="4351338"/>
+            <a:off x="6096000" y="2080046"/>
+            <a:ext cx="4411579" cy="3589235"/>
           </a:xfrm>
           <a:prstGeom prst="rect">
             <a:avLst/>
@@ -4999,14 +5040,11 @@
           <a:p>
             <a:r>
               <a:rPr lang="en-GB" dirty="0"/>
-              <a:t>More unnecessary code</a:t>
-            </a:r>
-          </a:p>
-          <a:p>
-            <a:r>
-              <a:rPr lang="en-GB" dirty="0"/>
               <a:t>Can impact execution time</a:t>
             </a:r>
+          </a:p>
+          <a:p>
+            <a:endParaRPr lang="en-GB" dirty="0"/>
           </a:p>
         </p:txBody>
       </p:sp>
@@ -5358,7 +5396,7 @@
           <a:graphicData uri="http://schemas.openxmlformats.org/presentationml/2006/ole">
             <mc:AlternateContent xmlns:mc="http://schemas.openxmlformats.org/markup-compatibility/2006">
               <mc:Choice xmlns:v="urn:schemas-microsoft-com:vml" Requires="v">
-                <p:oleObj spid="_x0000_s2079" name="Document" r:id="rId3" imgW="5734061" imgH="3079433" progId="Word.OpenDocumentText.12">
+                <p:oleObj spid="_x0000_s2085" name="Document" r:id="rId3" imgW="5734061" imgH="3079433" progId="Word.OpenDocumentText.12">
                   <p:embed/>
                 </p:oleObj>
               </mc:Choice>
@@ -5489,25 +5527,25 @@
           <p:nvPr>
             <p:extLst>
               <p:ext uri="{D42A27DB-BD31-4B8C-83A1-F6EECF244321}">
-                <p14:modId xmlns:p14="http://schemas.microsoft.com/office/powerpoint/2010/main" val="3008055"/>
+                <p14:modId xmlns:p14="http://schemas.microsoft.com/office/powerpoint/2010/main" val="1010114842"/>
               </p:ext>
             </p:extLst>
           </p:nvPr>
         </p:nvGraphicFramePr>
         <p:xfrm>
-          <a:off x="1495425" y="2462212"/>
-          <a:ext cx="3657600" cy="3222625"/>
+          <a:off x="1497013" y="2460625"/>
+          <a:ext cx="3689350" cy="3397427"/>
         </p:xfrm>
         <a:graphic>
           <a:graphicData uri="http://schemas.openxmlformats.org/presentationml/2006/ole">
             <mc:AlternateContent xmlns:mc="http://schemas.openxmlformats.org/markup-compatibility/2006">
               <mc:Choice xmlns:v="urn:schemas-microsoft-com:vml" Requires="v">
-                <p:oleObj spid="_x0000_s2080" name="Document" r:id="rId5" imgW="5731560" imgH="3220920" progId="Word.OpenDocumentText.12">
+                <p:oleObj spid="_x0000_s2086" name="Document" r:id="rId5" imgW="5731560" imgH="3531600" progId="Word.OpenDocumentText.12">
                   <p:embed/>
                 </p:oleObj>
               </mc:Choice>
               <mc:Fallback>
-                <p:oleObj name="Document" r:id="rId5" imgW="5731560" imgH="3220920" progId="Word.OpenDocumentText.12">
+                <p:oleObj name="Document" r:id="rId5" imgW="5731560" imgH="3531600" progId="Word.OpenDocumentText.12">
                   <p:embed/>
                   <p:pic>
                     <p:nvPicPr>
@@ -5526,8 +5564,8 @@
                     </p:blipFill>
                     <p:spPr bwMode="auto">
                       <a:xfrm>
-                        <a:off x="1495425" y="2462212"/>
-                        <a:ext cx="3657600" cy="3222625"/>
+                        <a:off x="1497013" y="2460625"/>
+                        <a:ext cx="3689350" cy="3397427"/>
                       </a:xfrm>
                       <a:prstGeom prst="rect">
                         <a:avLst/>
@@ -6088,7 +6126,7 @@
           <a:bodyPr/>
           <a:lstStyle/>
           <a:p>
-            <a:endParaRPr lang="LID4096"/>
+            <a:endParaRPr lang="LID4096" dirty="0"/>
           </a:p>
         </p:txBody>
       </p:sp>

--- a/Slides/The Decorator pattern.pptx
+++ b/Slides/The Decorator pattern.pptx
@@ -4068,6 +4068,14 @@
             </a:r>
             <a:r>
               <a:rPr lang="da-DK" dirty="0" err="1"/>
+              <a:t>could</a:t>
+            </a:r>
+            <a:r>
+              <a:rPr lang="da-DK" dirty="0"/>
+              <a:t> </a:t>
+            </a:r>
+            <a:r>
+              <a:rPr lang="da-DK" dirty="0" err="1"/>
               <a:t>you</a:t>
             </a:r>
             <a:r>
@@ -4569,6 +4577,14 @@
           <a:p>
             <a:r>
               <a:rPr lang="da-DK" dirty="0" err="1"/>
+              <a:t>ICoffee</a:t>
+            </a:r>
+            <a:r>
+              <a:rPr lang="da-DK" dirty="0"/>
+              <a:t> </a:t>
+            </a:r>
+            <a:r>
+              <a:rPr lang="da-DK" dirty="0" err="1"/>
               <a:t>bev</a:t>
             </a:r>
             <a:r>
@@ -4589,7 +4605,7 @@
             </a:r>
             <a:r>
               <a:rPr lang="da-DK" dirty="0"/>
-              <a:t>)))</a:t>
+              <a:t>()))</a:t>
             </a:r>
           </a:p>
           <a:p>
@@ -4814,11 +4830,14 @@
           <a:p>
             <a:r>
               <a:rPr lang="en-GB" dirty="0"/>
-              <a:t>Any order</a:t>
-            </a:r>
-          </a:p>
-          <a:p>
-            <a:endParaRPr lang="en-GB" dirty="0"/>
+              <a:t>OCP</a:t>
+            </a:r>
+          </a:p>
+          <a:p>
+            <a:r>
+              <a:rPr lang="en-GB" dirty="0"/>
+              <a:t>SRP</a:t>
+            </a:r>
           </a:p>
         </p:txBody>
       </p:sp>
@@ -5396,7 +5415,7 @@
           <a:graphicData uri="http://schemas.openxmlformats.org/presentationml/2006/ole">
             <mc:AlternateContent xmlns:mc="http://schemas.openxmlformats.org/markup-compatibility/2006">
               <mc:Choice xmlns:v="urn:schemas-microsoft-com:vml" Requires="v">
-                <p:oleObj spid="_x0000_s2085" name="Document" r:id="rId3" imgW="5734061" imgH="3079433" progId="Word.OpenDocumentText.12">
+                <p:oleObj spid="_x0000_s2089" name="Document" r:id="rId3" imgW="5734061" imgH="3079433" progId="Word.OpenDocumentText.12">
                   <p:embed/>
                 </p:oleObj>
               </mc:Choice>
@@ -5540,7 +5559,7 @@
           <a:graphicData uri="http://schemas.openxmlformats.org/presentationml/2006/ole">
             <mc:AlternateContent xmlns:mc="http://schemas.openxmlformats.org/markup-compatibility/2006">
               <mc:Choice xmlns:v="urn:schemas-microsoft-com:vml" Requires="v">
-                <p:oleObj spid="_x0000_s2086" name="Document" r:id="rId5" imgW="5731560" imgH="3531600" progId="Word.OpenDocumentText.12">
+                <p:oleObj spid="_x0000_s2090" name="Document" r:id="rId5" imgW="5731560" imgH="3531600" progId="Word.OpenDocumentText.12">
                   <p:embed/>
                 </p:oleObj>
               </mc:Choice>
@@ -6121,11 +6140,74 @@
             <p:ph idx="1"/>
           </p:nvPr>
         </p:nvSpPr>
-        <p:spPr/>
+        <p:spPr>
+          <a:xfrm>
+            <a:off x="838200" y="2415561"/>
+            <a:ext cx="8075725" cy="3572285"/>
+          </a:xfrm>
+        </p:spPr>
         <p:txBody>
           <a:bodyPr/>
           <a:lstStyle/>
           <a:p>
+            <a:r>
+              <a:rPr lang="da-DK" dirty="0"/>
+              <a:t>Good for </a:t>
+            </a:r>
+            <a:r>
+              <a:rPr lang="da-DK" dirty="0" err="1"/>
+              <a:t>combining</a:t>
+            </a:r>
+            <a:r>
+              <a:rPr lang="da-DK" dirty="0"/>
+              <a:t> </a:t>
+            </a:r>
+            <a:r>
+              <a:rPr lang="da-DK" dirty="0" err="1"/>
+              <a:t>behaviour</a:t>
+            </a:r>
+            <a:endParaRPr lang="da-DK" dirty="0"/>
+          </a:p>
+          <a:p>
+            <a:r>
+              <a:rPr lang="da-DK" dirty="0"/>
+              <a:t>Not </a:t>
+            </a:r>
+            <a:r>
+              <a:rPr lang="da-DK" dirty="0" err="1"/>
+              <a:t>particularly</a:t>
+            </a:r>
+            <a:r>
+              <a:rPr lang="da-DK" dirty="0"/>
+              <a:t> </a:t>
+            </a:r>
+            <a:r>
+              <a:rPr lang="da-DK" dirty="0" err="1"/>
+              <a:t>good</a:t>
+            </a:r>
+            <a:r>
+              <a:rPr lang="da-DK" dirty="0"/>
+              <a:t> for decision </a:t>
+            </a:r>
+            <a:r>
+              <a:rPr lang="da-DK" dirty="0" err="1"/>
+              <a:t>making</a:t>
+            </a:r>
+            <a:endParaRPr lang="da-DK" dirty="0"/>
+          </a:p>
+          <a:p>
+            <a:r>
+              <a:rPr lang="da-DK" dirty="0"/>
+              <a:t>Try to </a:t>
+            </a:r>
+            <a:r>
+              <a:rPr lang="da-DK" dirty="0" err="1"/>
+              <a:t>keep</a:t>
+            </a:r>
+            <a:r>
+              <a:rPr lang="da-DK" dirty="0"/>
+              <a:t> it at a minimum</a:t>
+            </a:r>
             <a:endParaRPr lang="LID4096" dirty="0"/>
           </a:p>
         </p:txBody>
